--- a/版本控制.pptx
+++ b/版本控制.pptx
@@ -9,10 +9,10 @@
     <p:sldMasterId id="2147483762" r:id="rId5"/>
   </p:sldMasterIdLst>
   <p:notesMasterIdLst>
-    <p:notesMasterId r:id="rId17"/>
+    <p:notesMasterId r:id="rId18"/>
   </p:notesMasterIdLst>
   <p:handoutMasterIdLst>
-    <p:handoutMasterId r:id="rId18"/>
+    <p:handoutMasterId r:id="rId19"/>
   </p:handoutMasterIdLst>
   <p:sldIdLst>
     <p:sldId id="565" r:id="rId6"/>
@@ -26,6 +26,7 @@
     <p:sldId id="688" r:id="rId14"/>
     <p:sldId id="689" r:id="rId15"/>
     <p:sldId id="694" r:id="rId16"/>
+    <p:sldId id="695" r:id="rId17"/>
   </p:sldIdLst>
   <p:sldSz cx="9144000" cy="6858000" type="screen4x3"/>
   <p:notesSz cx="6858000" cy="9144000"/>
@@ -209,7 +210,7 @@
           <a:p>
             <a:fld id="{9E2B162B-8AF9-D04D-85CA-E08727D58837}" type="datetimeFigureOut">
               <a:rPr kumimoji="1" lang="zh-TW" altLang="en-US" smtClean="0"/>
-              <a:t>16/11/2</a:t>
+              <a:t>16/11/13</a:t>
             </a:fld>
             <a:endParaRPr kumimoji="1" lang="zh-CN" altLang="en-US"/>
           </a:p>
@@ -376,7 +377,7 @@
             <a:fld id="{E50A09AA-B9AD-4F35-9387-0FB810A1DF26}" type="datetimeFigureOut">
               <a:rPr lang="zh-TW" altLang="en-US" smtClean="0"/>
               <a:pPr/>
-              <a:t>16/11/2</a:t>
+              <a:t>16/11/13</a:t>
             </a:fld>
             <a:endParaRPr lang="zh-TW" altLang="en-US"/>
           </a:p>
@@ -9115,27 +9116,7 @@
                   </a:schemeClr>
                 </a:solidFill>
               </a:rPr>
-              <a:t>其中</a:t>
-            </a:r>
-            <a:r>
-              <a:rPr lang="zh-TW" altLang="en-US" dirty="0" smtClean="0">
-                <a:solidFill>
-                  <a:schemeClr val="bg1">
-                    <a:lumMod val="50000"/>
-                  </a:schemeClr>
-                </a:solidFill>
-              </a:rPr>
-              <a:t>較後執行的</a:t>
-            </a:r>
-            <a:r>
-              <a:rPr lang="zh-TW" altLang="en-US" dirty="0" smtClean="0">
-                <a:solidFill>
-                  <a:schemeClr val="bg1">
-                    <a:lumMod val="50000"/>
-                  </a:schemeClr>
-                </a:solidFill>
-              </a:rPr>
-              <a:t>一方</a:t>
+              <a:t>其中較後執行的一方</a:t>
             </a:r>
             <a:r>
               <a:rPr lang="en-US" altLang="zh-TW" dirty="0" smtClean="0">
@@ -9238,17 +9219,7 @@
                   </a:schemeClr>
                 </a:solidFill>
               </a:rPr>
-              <a:t>版本，</a:t>
-            </a:r>
-            <a:r>
-              <a:rPr lang="zh-TW" altLang="en-US" dirty="0" smtClean="0">
-                <a:solidFill>
-                  <a:schemeClr val="bg1">
-                    <a:lumMod val="50000"/>
-                  </a:schemeClr>
-                </a:solidFill>
-              </a:rPr>
-              <a:t>將遠端伺服器版本做成歷史版本然後再</a:t>
+              <a:t>版本，將遠端伺服器版本做成歷史版本然後再</a:t>
             </a:r>
             <a:r>
               <a:rPr lang="en-US" altLang="zh-TW" dirty="0" smtClean="0">
@@ -9906,11 +9877,7 @@
           <a:p>
             <a:r>
               <a:rPr lang="zh-TW" altLang="en-US" dirty="0" smtClean="0"/>
-              <a:t>字符集</a:t>
-            </a:r>
-            <a:r>
-              <a:rPr lang="zh-TW" altLang="en-US" dirty="0" smtClean="0"/>
-              <a:t>問題：</a:t>
+              <a:t>字符集問題：</a:t>
             </a:r>
             <a:r>
               <a:rPr lang="en-US" altLang="zh-TW" dirty="0" err="1"/>
@@ -10019,6 +9986,36 @@
     <p:extLst>
       <p:ext uri="{BB962C8B-B14F-4D97-AF65-F5344CB8AC3E}">
         <p14:creationId xmlns:p14="http://schemas.microsoft.com/office/powerpoint/2010/main" val="148405972"/>
+      </p:ext>
+    </p:extLst>
+  </p:cSld>
+  <p:clrMapOvr>
+    <a:masterClrMapping/>
+  </p:clrMapOvr>
+</p:sld>
+</file>
+
+<file path=ppt/slides/slide12.xml><?xml version="1.0" encoding="utf-8"?>
+<p:sld xmlns:a="http://schemas.openxmlformats.org/drawingml/2006/main" xmlns:r="http://schemas.openxmlformats.org/officeDocument/2006/relationships" xmlns:p="http://schemas.openxmlformats.org/presentationml/2006/main">
+  <p:cSld>
+    <p:spTree>
+      <p:nvGrpSpPr>
+        <p:cNvPr id="1" name=""/>
+        <p:cNvGrpSpPr/>
+        <p:nvPr/>
+      </p:nvGrpSpPr>
+      <p:grpSpPr>
+        <a:xfrm>
+          <a:off x="0" y="0"/>
+          <a:ext cx="0" cy="0"/>
+          <a:chOff x="0" y="0"/>
+          <a:chExt cx="0" cy="0"/>
+        </a:xfrm>
+      </p:grpSpPr>
+    </p:spTree>
+    <p:extLst>
+      <p:ext uri="{BB962C8B-B14F-4D97-AF65-F5344CB8AC3E}">
+        <p14:creationId xmlns:p14="http://schemas.microsoft.com/office/powerpoint/2010/main" val="4047198209"/>
       </p:ext>
     </p:extLst>
   </p:cSld>
@@ -10730,11 +10727,7 @@
             </a:pPr>
             <a:r>
               <a:rPr lang="zh-TW" altLang="en-US" sz="1600" dirty="0" smtClean="0"/>
-              <a:t>啟</a:t>
-            </a:r>
-            <a:r>
-              <a:rPr lang="zh-TW" altLang="en-US" sz="1600" dirty="0" smtClean="0"/>
-              <a:t>用</a:t>
+              <a:t>啟用</a:t>
             </a:r>
             <a:r>
               <a:rPr lang="en-US" altLang="zh-TW" sz="1600" dirty="0" err="1" smtClean="0"/>
@@ -10931,11 +10924,7 @@
             </a:r>
             <a:r>
               <a:rPr lang="zh-TW" altLang="en-US" sz="1600" dirty="0" smtClean="0"/>
-              <a:t>裝置</a:t>
-            </a:r>
-            <a:r>
-              <a:rPr lang="zh-TW" altLang="en-US" sz="1600" dirty="0" smtClean="0"/>
-              <a:t>有安裝</a:t>
+              <a:t>裝置有安裝</a:t>
             </a:r>
             <a:r>
               <a:rPr lang="en-US" altLang="zh-TW" sz="1600" dirty="0" err="1"/>
@@ -10967,11 +10956,7 @@
             </a:r>
             <a:r>
               <a:rPr lang="zh-TW" altLang="en-US" sz="1600" dirty="0" smtClean="0"/>
-              <a:t>所有</a:t>
-            </a:r>
-            <a:r>
-              <a:rPr lang="zh-TW" altLang="en-US" sz="1600" dirty="0" smtClean="0"/>
-              <a:t>有安裝</a:t>
+              <a:t>所有有安裝</a:t>
             </a:r>
             <a:r>
               <a:rPr lang="en-US" altLang="zh-TW" sz="1600" dirty="0" err="1" smtClean="0"/>
@@ -10983,11 +10968,7 @@
             </a:r>
             <a:r>
               <a:rPr lang="zh-TW" altLang="en-US" sz="1600" dirty="0" smtClean="0"/>
-              <a:t>的裝置上</a:t>
-            </a:r>
-            <a:r>
-              <a:rPr lang="zh-TW" altLang="en-US" sz="1600" dirty="0" smtClean="0"/>
-              <a:t>。</a:t>
+              <a:t>的裝置上。</a:t>
             </a:r>
             <a:endParaRPr lang="en-US" altLang="zh-TW" sz="1600" dirty="0" smtClean="0"/>
           </a:p>
@@ -11821,15 +11802,7 @@
             </a:r>
             <a:r>
               <a:rPr lang="zh-TW" altLang="en-US" dirty="0" smtClean="0"/>
-              <a:t>件同步相</a:t>
-            </a:r>
-            <a:r>
-              <a:rPr lang="zh-TW" altLang="en-US" dirty="0" smtClean="0"/>
-              <a:t>關</a:t>
-            </a:r>
-            <a:r>
-              <a:rPr lang="zh-TW" altLang="en-US" dirty="0" smtClean="0"/>
-              <a:t>的</a:t>
+              <a:t>件同步相關的</a:t>
             </a:r>
             <a:r>
               <a:rPr lang="zh-TW" altLang="en-US" dirty="0"/>
@@ -11837,31 +11810,7 @@
             </a:r>
             <a:r>
               <a:rPr lang="zh-TW" altLang="en-US" dirty="0" smtClean="0"/>
-              <a:t>只有通</a:t>
-            </a:r>
-            <a:r>
-              <a:rPr lang="zh-TW" altLang="en-US" dirty="0" smtClean="0"/>
-              <a:t>過</a:t>
-            </a:r>
-            <a:r>
-              <a:rPr lang="zh-TW" altLang="en-US" dirty="0" smtClean="0"/>
-              <a:t>“差</a:t>
-            </a:r>
-            <a:r>
-              <a:rPr lang="zh-TW" altLang="en-US" dirty="0" smtClean="0"/>
-              <a:t>異</a:t>
-            </a:r>
-            <a:r>
-              <a:rPr lang="zh-TW" altLang="en-US" dirty="0" smtClean="0"/>
-              <a:t>同步</a:t>
-            </a:r>
-            <a:r>
-              <a:rPr lang="zh-TW" altLang="en-US" dirty="0" smtClean="0"/>
-              <a:t>傳輸</a:t>
-            </a:r>
-            <a:r>
-              <a:rPr lang="zh-TW" altLang="en-US" dirty="0" smtClean="0"/>
-              <a:t>”</a:t>
+              <a:t>只有通過“差異同步傳輸”</a:t>
             </a:r>
             <a:r>
               <a:rPr lang="zh-TW" altLang="en-US" dirty="0"/>
@@ -11877,15 +11826,7 @@
             </a:r>
             <a:r>
               <a:rPr lang="zh-TW" altLang="en-US" dirty="0" smtClean="0"/>
-              <a:t>各</a:t>
-            </a:r>
-            <a:r>
-              <a:rPr lang="zh-TW" altLang="en-US" dirty="0" smtClean="0"/>
-              <a:t>個</a:t>
-            </a:r>
-            <a:r>
-              <a:rPr lang="zh-TW" altLang="en-US" dirty="0" smtClean="0"/>
-              <a:t>版本</a:t>
+              <a:t>各個版本</a:t>
             </a:r>
             <a:r>
               <a:rPr lang="zh-TW" altLang="en-US" dirty="0"/>
@@ -11893,23 +11834,7 @@
             </a:r>
             <a:r>
               <a:rPr lang="zh-TW" altLang="en-US" dirty="0" smtClean="0"/>
-              <a:t>然</a:t>
-            </a:r>
-            <a:r>
-              <a:rPr lang="zh-TW" altLang="en-US" dirty="0" smtClean="0"/>
-              <a:t>後進</a:t>
-            </a:r>
-            <a:r>
-              <a:rPr lang="zh-TW" altLang="en-US" dirty="0" smtClean="0"/>
-              <a:t>行自</a:t>
-            </a:r>
-            <a:r>
-              <a:rPr lang="zh-TW" altLang="en-US" dirty="0" smtClean="0"/>
-              <a:t>動</a:t>
-            </a:r>
-            <a:r>
-              <a:rPr lang="zh-TW" altLang="en-US" dirty="0" smtClean="0"/>
-              <a:t>冲突解决</a:t>
+              <a:t>然後進行自動冲突解决</a:t>
             </a:r>
             <a:endParaRPr lang="zh-CN" altLang="en-US" dirty="0"/>
           </a:p>
@@ -13083,17 +13008,7 @@
                   </a:schemeClr>
                 </a:solidFill>
               </a:rPr>
-              <a:t>一定時間</a:t>
-            </a:r>
-            <a:r>
-              <a:rPr lang="zh-TW" altLang="en-US" dirty="0" smtClean="0">
-                <a:solidFill>
-                  <a:schemeClr val="bg1">
-                    <a:lumMod val="50000"/>
-                  </a:schemeClr>
-                </a:solidFill>
-              </a:rPr>
-              <a:t>就把目前的版本狀態做一次本機</a:t>
+              <a:t>一定時間就把目前的版本狀態做一次本機</a:t>
             </a:r>
             <a:r>
               <a:rPr lang="en-US" altLang="zh-TW" dirty="0" smtClean="0">
@@ -15233,7 +15148,7 @@
   </a:extraClrSchemeLst>
   <a:extLst>
     <a:ext uri="{05A4C25C-085E-4340-85A3-A5531E510DB2}">
-      <thm15:themeFamily xmlns="" xmlns:thm15="http://schemas.microsoft.com/office/thememl/2012/main" name="Office Theme" id="{62F939B6-93AF-4DB8-9C6B-D6C7DFDC589F}" vid="{4A3C46E8-61CC-4603-A589-7422A47A8E4A}"/>
+      <thm15:themeFamily xmlns:thm15="http://schemas.microsoft.com/office/thememl/2012/main" xmlns="" name="Office Theme" id="{62F939B6-93AF-4DB8-9C6B-D6C7DFDC589F}" vid="{4A3C46E8-61CC-4603-A589-7422A47A8E4A}"/>
     </a:ext>
   </a:extLst>
 </a:theme>

--- a/版本控制.pptx
+++ b/版本控制.pptx
@@ -9,24 +9,25 @@
     <p:sldMasterId id="2147483762" r:id="rId5"/>
   </p:sldMasterIdLst>
   <p:notesMasterIdLst>
-    <p:notesMasterId r:id="rId18"/>
+    <p:notesMasterId r:id="rId19"/>
   </p:notesMasterIdLst>
   <p:handoutMasterIdLst>
-    <p:handoutMasterId r:id="rId19"/>
+    <p:handoutMasterId r:id="rId20"/>
   </p:handoutMasterIdLst>
   <p:sldIdLst>
     <p:sldId id="565" r:id="rId6"/>
-    <p:sldId id="685" r:id="rId7"/>
-    <p:sldId id="686" r:id="rId8"/>
-    <p:sldId id="684" r:id="rId9"/>
-    <p:sldId id="690" r:id="rId10"/>
-    <p:sldId id="691" r:id="rId11"/>
-    <p:sldId id="692" r:id="rId12"/>
-    <p:sldId id="687" r:id="rId13"/>
-    <p:sldId id="688" r:id="rId14"/>
-    <p:sldId id="689" r:id="rId15"/>
-    <p:sldId id="694" r:id="rId16"/>
-    <p:sldId id="695" r:id="rId17"/>
+    <p:sldId id="696" r:id="rId7"/>
+    <p:sldId id="685" r:id="rId8"/>
+    <p:sldId id="686" r:id="rId9"/>
+    <p:sldId id="684" r:id="rId10"/>
+    <p:sldId id="690" r:id="rId11"/>
+    <p:sldId id="691" r:id="rId12"/>
+    <p:sldId id="692" r:id="rId13"/>
+    <p:sldId id="687" r:id="rId14"/>
+    <p:sldId id="688" r:id="rId15"/>
+    <p:sldId id="689" r:id="rId16"/>
+    <p:sldId id="694" r:id="rId17"/>
+    <p:sldId id="695" r:id="rId18"/>
   </p:sldIdLst>
   <p:sldSz cx="9144000" cy="6858000" type="screen4x3"/>
   <p:notesSz cx="6858000" cy="9144000"/>
@@ -8135,6 +8136,946 @@
 </file>
 
 <file path=ppt/slides/slide10.xml><?xml version="1.0" encoding="utf-8"?>
+<p:sld xmlns:a="http://schemas.openxmlformats.org/drawingml/2006/main" xmlns:r="http://schemas.openxmlformats.org/officeDocument/2006/relationships" xmlns:p="http://schemas.openxmlformats.org/presentationml/2006/main">
+  <p:cSld>
+    <p:spTree>
+      <p:nvGrpSpPr>
+        <p:cNvPr id="1" name=""/>
+        <p:cNvGrpSpPr/>
+        <p:nvPr/>
+      </p:nvGrpSpPr>
+      <p:grpSpPr>
+        <a:xfrm>
+          <a:off x="0" y="0"/>
+          <a:ext cx="0" cy="0"/>
+          <a:chOff x="0" y="0"/>
+          <a:chExt cx="0" cy="0"/>
+        </a:xfrm>
+      </p:grpSpPr>
+      <p:sp>
+        <p:nvSpPr>
+          <p:cNvPr id="2" name="標題 1"/>
+          <p:cNvSpPr>
+            <a:spLocks noGrp="1"/>
+          </p:cNvSpPr>
+          <p:nvPr>
+            <p:ph type="title"/>
+          </p:nvPr>
+        </p:nvSpPr>
+        <p:spPr>
+          <a:xfrm>
+            <a:off x="434975" y="218047"/>
+            <a:ext cx="8229600" cy="330633"/>
+          </a:xfrm>
+        </p:spPr>
+        <p:txBody>
+          <a:bodyPr/>
+          <a:lstStyle/>
+          <a:p>
+            <a:r>
+              <a:rPr kumimoji="1" lang="en-US" altLang="zh-CN" sz="3200" dirty="0" smtClean="0"/>
+              <a:t>Push</a:t>
+            </a:r>
+            <a:endParaRPr kumimoji="1" lang="zh-CN" altLang="en-US" sz="3200" dirty="0"/>
+          </a:p>
+        </p:txBody>
+      </p:sp>
+      <p:grpSp>
+        <p:nvGrpSpPr>
+          <p:cNvPr id="12" name="群組 11"/>
+          <p:cNvGrpSpPr/>
+          <p:nvPr/>
+        </p:nvGrpSpPr>
+        <p:grpSpPr>
+          <a:xfrm>
+            <a:off x="539552" y="787346"/>
+            <a:ext cx="1440160" cy="2093592"/>
+            <a:chOff x="3059832" y="1623440"/>
+            <a:chExt cx="1440160" cy="2093592"/>
+          </a:xfrm>
+        </p:grpSpPr>
+        <p:sp>
+          <p:nvSpPr>
+            <p:cNvPr id="3" name="矩形 2"/>
+            <p:cNvSpPr/>
+            <p:nvPr/>
+          </p:nvSpPr>
+          <p:spPr>
+            <a:xfrm>
+              <a:off x="3059832" y="1623440"/>
+              <a:ext cx="1440160" cy="2093592"/>
+            </a:xfrm>
+            <a:prstGeom prst="rect">
+              <a:avLst/>
+            </a:prstGeom>
+            <a:solidFill>
+              <a:schemeClr val="bg1">
+                <a:lumMod val="75000"/>
+              </a:schemeClr>
+            </a:solidFill>
+            <a:ln>
+              <a:noFill/>
+            </a:ln>
+          </p:spPr>
+          <p:style>
+            <a:lnRef idx="1">
+              <a:schemeClr val="accent1"/>
+            </a:lnRef>
+            <a:fillRef idx="3">
+              <a:schemeClr val="accent1"/>
+            </a:fillRef>
+            <a:effectRef idx="2">
+              <a:schemeClr val="accent1"/>
+            </a:effectRef>
+            <a:fontRef idx="minor">
+              <a:schemeClr val="lt1"/>
+            </a:fontRef>
+          </p:style>
+          <p:txBody>
+            <a:bodyPr rtlCol="0" anchor="ctr"/>
+            <a:lstStyle/>
+            <a:p>
+              <a:pPr algn="ctr"/>
+              <a:endParaRPr kumimoji="1" lang="zh-CN" altLang="en-US"/>
+            </a:p>
+          </p:txBody>
+        </p:sp>
+        <p:sp>
+          <p:nvSpPr>
+            <p:cNvPr id="4" name="矩形 3"/>
+            <p:cNvSpPr/>
+            <p:nvPr/>
+          </p:nvSpPr>
+          <p:spPr>
+            <a:xfrm>
+              <a:off x="3275856" y="2083136"/>
+              <a:ext cx="1016496" cy="1489880"/>
+            </a:xfrm>
+            <a:prstGeom prst="rect">
+              <a:avLst/>
+            </a:prstGeom>
+            <a:solidFill>
+              <a:srgbClr val="FFFFFF"/>
+            </a:solidFill>
+            <a:ln>
+              <a:noFill/>
+            </a:ln>
+          </p:spPr>
+          <p:style>
+            <a:lnRef idx="1">
+              <a:schemeClr val="accent1"/>
+            </a:lnRef>
+            <a:fillRef idx="3">
+              <a:schemeClr val="accent1"/>
+            </a:fillRef>
+            <a:effectRef idx="2">
+              <a:schemeClr val="accent1"/>
+            </a:effectRef>
+            <a:fontRef idx="minor">
+              <a:schemeClr val="lt1"/>
+            </a:fontRef>
+          </p:style>
+          <p:txBody>
+            <a:bodyPr rtlCol="0" anchor="t"/>
+            <a:lstStyle/>
+            <a:p>
+              <a:pPr algn="ctr"/>
+              <a:r>
+                <a:rPr kumimoji="1" lang="en-US" altLang="zh-CN" sz="1000" dirty="0" smtClean="0">
+                  <a:solidFill>
+                    <a:schemeClr val="bg1">
+                      <a:lumMod val="10000"/>
+                    </a:schemeClr>
+                  </a:solidFill>
+                </a:rPr>
+                <a:t>Version Database</a:t>
+              </a:r>
+              <a:endParaRPr kumimoji="1" lang="zh-CN" altLang="en-US" sz="1000" dirty="0">
+                <a:solidFill>
+                  <a:schemeClr val="bg1">
+                    <a:lumMod val="10000"/>
+                  </a:schemeClr>
+                </a:solidFill>
+              </a:endParaRPr>
+            </a:p>
+          </p:txBody>
+        </p:sp>
+        <p:sp>
+          <p:nvSpPr>
+            <p:cNvPr id="7" name="文字方塊 6"/>
+            <p:cNvSpPr txBox="1"/>
+            <p:nvPr/>
+          </p:nvSpPr>
+          <p:spPr>
+            <a:xfrm>
+              <a:off x="3140194" y="1660158"/>
+              <a:ext cx="1160512" cy="338554"/>
+            </a:xfrm>
+            <a:prstGeom prst="rect">
+              <a:avLst/>
+            </a:prstGeom>
+            <a:noFill/>
+          </p:spPr>
+          <p:txBody>
+            <a:bodyPr wrap="square" rtlCol="0">
+              <a:spAutoFit/>
+            </a:bodyPr>
+            <a:lstStyle/>
+            <a:p>
+              <a:pPr algn="ctr"/>
+              <a:r>
+                <a:rPr kumimoji="1" lang="en-US" altLang="zh-CN" sz="1600" dirty="0" smtClean="0">
+                  <a:solidFill>
+                    <a:srgbClr val="141414"/>
+                  </a:solidFill>
+                </a:rPr>
+                <a:t>Server</a:t>
+              </a:r>
+              <a:endParaRPr kumimoji="1" lang="zh-CN" altLang="en-US" sz="1600" dirty="0">
+                <a:solidFill>
+                  <a:srgbClr val="141414"/>
+                </a:solidFill>
+              </a:endParaRPr>
+            </a:p>
+          </p:txBody>
+        </p:sp>
+        <p:sp>
+          <p:nvSpPr>
+            <p:cNvPr id="8" name="圓角矩形 7"/>
+            <p:cNvSpPr/>
+            <p:nvPr/>
+          </p:nvSpPr>
+          <p:spPr>
+            <a:xfrm>
+              <a:off x="3347864" y="2492896"/>
+              <a:ext cx="864096" cy="360040"/>
+            </a:xfrm>
+            <a:prstGeom prst="roundRect">
+              <a:avLst/>
+            </a:prstGeom>
+            <a:solidFill>
+              <a:srgbClr val="CCFFCC"/>
+            </a:solidFill>
+          </p:spPr>
+          <p:style>
+            <a:lnRef idx="1">
+              <a:schemeClr val="accent1"/>
+            </a:lnRef>
+            <a:fillRef idx="3">
+              <a:schemeClr val="accent1"/>
+            </a:fillRef>
+            <a:effectRef idx="2">
+              <a:schemeClr val="accent1"/>
+            </a:effectRef>
+            <a:fontRef idx="minor">
+              <a:schemeClr val="lt1"/>
+            </a:fontRef>
+          </p:style>
+          <p:txBody>
+            <a:bodyPr rtlCol="0" anchor="ctr"/>
+            <a:lstStyle/>
+            <a:p>
+              <a:pPr algn="ctr"/>
+              <a:r>
+                <a:rPr kumimoji="1" lang="en-US" altLang="zh-CN" sz="1200" dirty="0" smtClean="0">
+                  <a:solidFill>
+                    <a:srgbClr val="141414"/>
+                  </a:solidFill>
+                </a:rPr>
+                <a:t>Version 2</a:t>
+              </a:r>
+              <a:endParaRPr kumimoji="1" lang="zh-CN" altLang="en-US" sz="1200" dirty="0">
+                <a:solidFill>
+                  <a:srgbClr val="141414"/>
+                </a:solidFill>
+              </a:endParaRPr>
+            </a:p>
+          </p:txBody>
+        </p:sp>
+        <p:sp>
+          <p:nvSpPr>
+            <p:cNvPr id="9" name="圓角矩形 8"/>
+            <p:cNvSpPr/>
+            <p:nvPr/>
+          </p:nvSpPr>
+          <p:spPr>
+            <a:xfrm>
+              <a:off x="3325624" y="3002666"/>
+              <a:ext cx="886336" cy="360040"/>
+            </a:xfrm>
+            <a:prstGeom prst="roundRect">
+              <a:avLst/>
+            </a:prstGeom>
+            <a:solidFill>
+              <a:srgbClr val="CCFFCC"/>
+            </a:solidFill>
+          </p:spPr>
+          <p:style>
+            <a:lnRef idx="1">
+              <a:schemeClr val="accent1"/>
+            </a:lnRef>
+            <a:fillRef idx="3">
+              <a:schemeClr val="accent1"/>
+            </a:fillRef>
+            <a:effectRef idx="2">
+              <a:schemeClr val="accent1"/>
+            </a:effectRef>
+            <a:fontRef idx="minor">
+              <a:schemeClr val="lt1"/>
+            </a:fontRef>
+          </p:style>
+          <p:txBody>
+            <a:bodyPr rtlCol="0" anchor="ctr"/>
+            <a:lstStyle/>
+            <a:p>
+              <a:pPr algn="ctr"/>
+              <a:r>
+                <a:rPr kumimoji="1" lang="en-US" altLang="zh-CN" sz="1200" dirty="0" smtClean="0">
+                  <a:solidFill>
+                    <a:srgbClr val="141414"/>
+                  </a:solidFill>
+                </a:rPr>
+                <a:t>Version 1</a:t>
+              </a:r>
+              <a:endParaRPr kumimoji="1" lang="zh-CN" altLang="en-US" sz="1200" dirty="0">
+                <a:solidFill>
+                  <a:srgbClr val="141414"/>
+                </a:solidFill>
+              </a:endParaRPr>
+            </a:p>
+          </p:txBody>
+        </p:sp>
+        <p:cxnSp>
+          <p:nvCxnSpPr>
+            <p:cNvPr id="11" name="直線接點 10"/>
+            <p:cNvCxnSpPr>
+              <a:stCxn id="8" idx="2"/>
+            </p:cNvCxnSpPr>
+            <p:nvPr/>
+          </p:nvCxnSpPr>
+          <p:spPr>
+            <a:xfrm>
+              <a:off x="3779912" y="2852936"/>
+              <a:ext cx="0" cy="149730"/>
+            </a:xfrm>
+            <a:prstGeom prst="line">
+              <a:avLst/>
+            </a:prstGeom>
+          </p:spPr>
+          <p:style>
+            <a:lnRef idx="2">
+              <a:schemeClr val="accent1"/>
+            </a:lnRef>
+            <a:fillRef idx="0">
+              <a:schemeClr val="accent1"/>
+            </a:fillRef>
+            <a:effectRef idx="1">
+              <a:schemeClr val="accent1"/>
+            </a:effectRef>
+            <a:fontRef idx="minor">
+              <a:schemeClr val="tx1"/>
+            </a:fontRef>
+          </p:style>
+        </p:cxnSp>
+      </p:grpSp>
+      <p:grpSp>
+        <p:nvGrpSpPr>
+          <p:cNvPr id="23" name="群組 22"/>
+          <p:cNvGrpSpPr/>
+          <p:nvPr/>
+        </p:nvGrpSpPr>
+        <p:grpSpPr>
+          <a:xfrm>
+            <a:off x="2987824" y="1955870"/>
+            <a:ext cx="1440160" cy="2488860"/>
+            <a:chOff x="5436096" y="2708920"/>
+            <a:chExt cx="1440160" cy="2488860"/>
+          </a:xfrm>
+        </p:grpSpPr>
+        <p:sp>
+          <p:nvSpPr>
+            <p:cNvPr id="14" name="矩形 13"/>
+            <p:cNvSpPr/>
+            <p:nvPr/>
+          </p:nvSpPr>
+          <p:spPr>
+            <a:xfrm>
+              <a:off x="5436096" y="2708920"/>
+              <a:ext cx="1440160" cy="2488860"/>
+            </a:xfrm>
+            <a:prstGeom prst="rect">
+              <a:avLst/>
+            </a:prstGeom>
+            <a:solidFill>
+              <a:schemeClr val="bg1">
+                <a:lumMod val="75000"/>
+              </a:schemeClr>
+            </a:solidFill>
+            <a:ln>
+              <a:noFill/>
+            </a:ln>
+          </p:spPr>
+          <p:style>
+            <a:lnRef idx="1">
+              <a:schemeClr val="accent1"/>
+            </a:lnRef>
+            <a:fillRef idx="3">
+              <a:schemeClr val="accent1"/>
+            </a:fillRef>
+            <a:effectRef idx="2">
+              <a:schemeClr val="accent1"/>
+            </a:effectRef>
+            <a:fontRef idx="minor">
+              <a:schemeClr val="lt1"/>
+            </a:fontRef>
+          </p:style>
+          <p:txBody>
+            <a:bodyPr rtlCol="0" anchor="ctr"/>
+            <a:lstStyle/>
+            <a:p>
+              <a:pPr algn="ctr"/>
+              <a:endParaRPr kumimoji="1" lang="zh-CN" altLang="en-US"/>
+            </a:p>
+          </p:txBody>
+        </p:sp>
+        <p:sp>
+          <p:nvSpPr>
+            <p:cNvPr id="15" name="矩形 14"/>
+            <p:cNvSpPr/>
+            <p:nvPr/>
+          </p:nvSpPr>
+          <p:spPr>
+            <a:xfrm>
+              <a:off x="5652120" y="3563884"/>
+              <a:ext cx="1016496" cy="1489880"/>
+            </a:xfrm>
+            <a:prstGeom prst="rect">
+              <a:avLst/>
+            </a:prstGeom>
+            <a:solidFill>
+              <a:srgbClr val="FFFFFF"/>
+            </a:solidFill>
+            <a:ln>
+              <a:noFill/>
+            </a:ln>
+          </p:spPr>
+          <p:style>
+            <a:lnRef idx="1">
+              <a:schemeClr val="accent1"/>
+            </a:lnRef>
+            <a:fillRef idx="3">
+              <a:schemeClr val="accent1"/>
+            </a:fillRef>
+            <a:effectRef idx="2">
+              <a:schemeClr val="accent1"/>
+            </a:effectRef>
+            <a:fontRef idx="minor">
+              <a:schemeClr val="lt1"/>
+            </a:fontRef>
+          </p:style>
+          <p:txBody>
+            <a:bodyPr rtlCol="0" anchor="t"/>
+            <a:lstStyle/>
+            <a:p>
+              <a:pPr algn="ctr"/>
+              <a:r>
+                <a:rPr kumimoji="1" lang="en-US" altLang="zh-CN" sz="1000" dirty="0" smtClean="0">
+                  <a:solidFill>
+                    <a:schemeClr val="bg1">
+                      <a:lumMod val="10000"/>
+                    </a:schemeClr>
+                  </a:solidFill>
+                </a:rPr>
+                <a:t>Version Database</a:t>
+              </a:r>
+              <a:endParaRPr kumimoji="1" lang="zh-CN" altLang="en-US" sz="1000" dirty="0">
+                <a:solidFill>
+                  <a:schemeClr val="bg1">
+                    <a:lumMod val="10000"/>
+                  </a:schemeClr>
+                </a:solidFill>
+              </a:endParaRPr>
+            </a:p>
+          </p:txBody>
+        </p:sp>
+        <p:sp>
+          <p:nvSpPr>
+            <p:cNvPr id="16" name="文字方塊 15"/>
+            <p:cNvSpPr txBox="1"/>
+            <p:nvPr/>
+          </p:nvSpPr>
+          <p:spPr>
+            <a:xfrm>
+              <a:off x="5512281" y="2731265"/>
+              <a:ext cx="1287790" cy="338554"/>
+            </a:xfrm>
+            <a:prstGeom prst="rect">
+              <a:avLst/>
+            </a:prstGeom>
+            <a:noFill/>
+          </p:spPr>
+          <p:txBody>
+            <a:bodyPr wrap="square" rtlCol="0">
+              <a:spAutoFit/>
+            </a:bodyPr>
+            <a:lstStyle/>
+            <a:p>
+              <a:pPr algn="ctr"/>
+              <a:r>
+                <a:rPr kumimoji="1" lang="en-US" altLang="zh-CN" sz="1600" dirty="0" smtClean="0">
+                  <a:solidFill>
+                    <a:srgbClr val="141414"/>
+                  </a:solidFill>
+                </a:rPr>
+                <a:t>Computer A</a:t>
+              </a:r>
+              <a:endParaRPr kumimoji="1" lang="zh-CN" altLang="en-US" sz="1600" dirty="0">
+                <a:solidFill>
+                  <a:srgbClr val="141414"/>
+                </a:solidFill>
+              </a:endParaRPr>
+            </a:p>
+          </p:txBody>
+        </p:sp>
+        <p:sp>
+          <p:nvSpPr>
+            <p:cNvPr id="17" name="圓角矩形 16"/>
+            <p:cNvSpPr/>
+            <p:nvPr/>
+          </p:nvSpPr>
+          <p:spPr>
+            <a:xfrm>
+              <a:off x="5724128" y="3973644"/>
+              <a:ext cx="864096" cy="360040"/>
+            </a:xfrm>
+            <a:prstGeom prst="roundRect">
+              <a:avLst/>
+            </a:prstGeom>
+            <a:solidFill>
+              <a:srgbClr val="CCFFCC"/>
+            </a:solidFill>
+          </p:spPr>
+          <p:style>
+            <a:lnRef idx="1">
+              <a:schemeClr val="accent1"/>
+            </a:lnRef>
+            <a:fillRef idx="3">
+              <a:schemeClr val="accent1"/>
+            </a:fillRef>
+            <a:effectRef idx="2">
+              <a:schemeClr val="accent1"/>
+            </a:effectRef>
+            <a:fontRef idx="minor">
+              <a:schemeClr val="lt1"/>
+            </a:fontRef>
+          </p:style>
+          <p:txBody>
+            <a:bodyPr rtlCol="0" anchor="ctr"/>
+            <a:lstStyle/>
+            <a:p>
+              <a:pPr algn="ctr"/>
+              <a:r>
+                <a:rPr kumimoji="1" lang="en-US" altLang="zh-CN" sz="1200" dirty="0" smtClean="0">
+                  <a:solidFill>
+                    <a:srgbClr val="141414"/>
+                  </a:solidFill>
+                </a:rPr>
+                <a:t>Version 2</a:t>
+              </a:r>
+              <a:endParaRPr kumimoji="1" lang="zh-CN" altLang="en-US" sz="1200" dirty="0">
+                <a:solidFill>
+                  <a:srgbClr val="141414"/>
+                </a:solidFill>
+              </a:endParaRPr>
+            </a:p>
+          </p:txBody>
+        </p:sp>
+        <p:sp>
+          <p:nvSpPr>
+            <p:cNvPr id="18" name="圓角矩形 17"/>
+            <p:cNvSpPr/>
+            <p:nvPr/>
+          </p:nvSpPr>
+          <p:spPr>
+            <a:xfrm>
+              <a:off x="5701888" y="4483414"/>
+              <a:ext cx="886336" cy="360040"/>
+            </a:xfrm>
+            <a:prstGeom prst="roundRect">
+              <a:avLst/>
+            </a:prstGeom>
+            <a:solidFill>
+              <a:srgbClr val="CCFFCC"/>
+            </a:solidFill>
+          </p:spPr>
+          <p:style>
+            <a:lnRef idx="1">
+              <a:schemeClr val="accent1"/>
+            </a:lnRef>
+            <a:fillRef idx="3">
+              <a:schemeClr val="accent1"/>
+            </a:fillRef>
+            <a:effectRef idx="2">
+              <a:schemeClr val="accent1"/>
+            </a:effectRef>
+            <a:fontRef idx="minor">
+              <a:schemeClr val="lt1"/>
+            </a:fontRef>
+          </p:style>
+          <p:txBody>
+            <a:bodyPr rtlCol="0" anchor="ctr"/>
+            <a:lstStyle/>
+            <a:p>
+              <a:pPr algn="ctr"/>
+              <a:r>
+                <a:rPr kumimoji="1" lang="en-US" altLang="zh-CN" sz="1200" dirty="0" smtClean="0">
+                  <a:solidFill>
+                    <a:srgbClr val="141414"/>
+                  </a:solidFill>
+                </a:rPr>
+                <a:t>Version 1</a:t>
+              </a:r>
+              <a:endParaRPr kumimoji="1" lang="zh-CN" altLang="en-US" sz="1200" dirty="0">
+                <a:solidFill>
+                  <a:srgbClr val="141414"/>
+                </a:solidFill>
+              </a:endParaRPr>
+            </a:p>
+          </p:txBody>
+        </p:sp>
+        <p:cxnSp>
+          <p:nvCxnSpPr>
+            <p:cNvPr id="19" name="直線接點 18"/>
+            <p:cNvCxnSpPr>
+              <a:stCxn id="17" idx="2"/>
+            </p:cNvCxnSpPr>
+            <p:nvPr/>
+          </p:nvCxnSpPr>
+          <p:spPr>
+            <a:xfrm>
+              <a:off x="6156176" y="4333684"/>
+              <a:ext cx="0" cy="149730"/>
+            </a:xfrm>
+            <a:prstGeom prst="line">
+              <a:avLst/>
+            </a:prstGeom>
+          </p:spPr>
+          <p:style>
+            <a:lnRef idx="2">
+              <a:schemeClr val="accent1"/>
+            </a:lnRef>
+            <a:fillRef idx="0">
+              <a:schemeClr val="accent1"/>
+            </a:fillRef>
+            <a:effectRef idx="1">
+              <a:schemeClr val="accent1"/>
+            </a:effectRef>
+            <a:fontRef idx="minor">
+              <a:schemeClr val="tx1"/>
+            </a:fontRef>
+          </p:style>
+        </p:cxnSp>
+        <p:sp>
+          <p:nvSpPr>
+            <p:cNvPr id="20" name="圓角矩形 19"/>
+            <p:cNvSpPr/>
+            <p:nvPr/>
+          </p:nvSpPr>
+          <p:spPr>
+            <a:xfrm>
+              <a:off x="5796136" y="3069818"/>
+              <a:ext cx="720080" cy="344055"/>
+            </a:xfrm>
+            <a:prstGeom prst="roundRect">
+              <a:avLst/>
+            </a:prstGeom>
+            <a:solidFill>
+              <a:schemeClr val="accent2">
+                <a:lumMod val="40000"/>
+                <a:lumOff val="60000"/>
+              </a:schemeClr>
+            </a:solidFill>
+          </p:spPr>
+          <p:style>
+            <a:lnRef idx="1">
+              <a:schemeClr val="accent1"/>
+            </a:lnRef>
+            <a:fillRef idx="3">
+              <a:schemeClr val="accent1"/>
+            </a:fillRef>
+            <a:effectRef idx="2">
+              <a:schemeClr val="accent1"/>
+            </a:effectRef>
+            <a:fontRef idx="minor">
+              <a:schemeClr val="lt1"/>
+            </a:fontRef>
+          </p:style>
+          <p:txBody>
+            <a:bodyPr rtlCol="0" anchor="ctr"/>
+            <a:lstStyle/>
+            <a:p>
+              <a:pPr algn="ctr"/>
+              <a:r>
+                <a:rPr kumimoji="1" lang="en-US" altLang="zh-CN" sz="1200" dirty="0" smtClean="0">
+                  <a:solidFill>
+                    <a:srgbClr val="141414"/>
+                  </a:solidFill>
+                </a:rPr>
+                <a:t>file</a:t>
+              </a:r>
+              <a:endParaRPr kumimoji="1" lang="zh-CN" altLang="en-US" sz="1200" dirty="0">
+                <a:solidFill>
+                  <a:srgbClr val="141414"/>
+                </a:solidFill>
+              </a:endParaRPr>
+            </a:p>
+          </p:txBody>
+        </p:sp>
+        <p:cxnSp>
+          <p:nvCxnSpPr>
+            <p:cNvPr id="22" name="直線箭頭接點 21"/>
+            <p:cNvCxnSpPr>
+              <a:stCxn id="20" idx="2"/>
+              <a:endCxn id="15" idx="0"/>
+            </p:cNvCxnSpPr>
+            <p:nvPr/>
+          </p:nvCxnSpPr>
+          <p:spPr>
+            <a:xfrm>
+              <a:off x="6156176" y="3413873"/>
+              <a:ext cx="4192" cy="150011"/>
+            </a:xfrm>
+            <a:prstGeom prst="straightConnector1">
+              <a:avLst/>
+            </a:prstGeom>
+            <a:ln>
+              <a:tailEnd type="arrow"/>
+            </a:ln>
+          </p:spPr>
+          <p:style>
+            <a:lnRef idx="2">
+              <a:schemeClr val="accent1"/>
+            </a:lnRef>
+            <a:fillRef idx="0">
+              <a:schemeClr val="accent1"/>
+            </a:fillRef>
+            <a:effectRef idx="1">
+              <a:schemeClr val="accent1"/>
+            </a:effectRef>
+            <a:fontRef idx="minor">
+              <a:schemeClr val="tx1"/>
+            </a:fontRef>
+          </p:style>
+        </p:cxnSp>
+      </p:grpSp>
+      <p:cxnSp>
+        <p:nvCxnSpPr>
+          <p:cNvPr id="25" name="直線箭頭接點 24"/>
+          <p:cNvCxnSpPr>
+            <a:endCxn id="3" idx="3"/>
+          </p:cNvCxnSpPr>
+          <p:nvPr/>
+        </p:nvCxnSpPr>
+        <p:spPr>
+          <a:xfrm flipH="1" flipV="1">
+            <a:off x="1979712" y="1834142"/>
+            <a:ext cx="864096" cy="482627"/>
+          </a:xfrm>
+          <a:prstGeom prst="straightConnector1">
+            <a:avLst/>
+          </a:prstGeom>
+          <a:ln>
+            <a:tailEnd type="arrow"/>
+          </a:ln>
+        </p:spPr>
+        <p:style>
+          <a:lnRef idx="2">
+            <a:schemeClr val="accent1"/>
+          </a:lnRef>
+          <a:fillRef idx="0">
+            <a:schemeClr val="accent1"/>
+          </a:fillRef>
+          <a:effectRef idx="1">
+            <a:schemeClr val="accent1"/>
+          </a:effectRef>
+          <a:fontRef idx="minor">
+            <a:schemeClr val="tx1"/>
+          </a:fontRef>
+        </p:style>
+      </p:cxnSp>
+      <p:sp>
+        <p:nvSpPr>
+          <p:cNvPr id="27" name="圓角矩形圖說文字 26"/>
+          <p:cNvSpPr/>
+          <p:nvPr/>
+        </p:nvSpPr>
+        <p:spPr>
+          <a:xfrm>
+            <a:off x="2411760" y="1170853"/>
+            <a:ext cx="936104" cy="648072"/>
+          </a:xfrm>
+          <a:prstGeom prst="wedgeRoundRectCallout">
+            <a:avLst>
+              <a:gd name="adj1" fmla="val -57174"/>
+              <a:gd name="adj2" fmla="val 74749"/>
+              <a:gd name="adj3" fmla="val 16667"/>
+            </a:avLst>
+          </a:prstGeom>
+          <a:solidFill>
+            <a:srgbClr val="FFFF00"/>
+          </a:solidFill>
+          <a:ln>
+            <a:noFill/>
+          </a:ln>
+        </p:spPr>
+        <p:style>
+          <a:lnRef idx="1">
+            <a:schemeClr val="accent1"/>
+          </a:lnRef>
+          <a:fillRef idx="3">
+            <a:schemeClr val="accent1"/>
+          </a:fillRef>
+          <a:effectRef idx="2">
+            <a:schemeClr val="accent1"/>
+          </a:effectRef>
+          <a:fontRef idx="minor">
+            <a:schemeClr val="lt1"/>
+          </a:fontRef>
+        </p:style>
+        <p:txBody>
+          <a:bodyPr rtlCol="0" anchor="ctr"/>
+          <a:lstStyle/>
+          <a:p>
+            <a:pPr algn="ctr"/>
+            <a:r>
+              <a:rPr kumimoji="1" lang="en-US" altLang="zh-CN" dirty="0" smtClean="0">
+                <a:solidFill>
+                  <a:srgbClr val="141414"/>
+                </a:solidFill>
+              </a:rPr>
+              <a:t>Push</a:t>
+            </a:r>
+          </a:p>
+          <a:p>
+            <a:pPr algn="ctr"/>
+            <a:r>
+              <a:rPr kumimoji="1" lang="zh-TW" altLang="en-US" dirty="0" smtClean="0">
+                <a:solidFill>
+                  <a:srgbClr val="141414"/>
+                </a:solidFill>
+              </a:rPr>
+              <a:t>推送</a:t>
+            </a:r>
+            <a:endParaRPr kumimoji="1" lang="zh-CN" altLang="en-US" dirty="0">
+              <a:solidFill>
+                <a:srgbClr val="141414"/>
+              </a:solidFill>
+            </a:endParaRPr>
+          </a:p>
+        </p:txBody>
+      </p:sp>
+      <p:sp>
+        <p:nvSpPr>
+          <p:cNvPr id="28" name="矩形 27"/>
+          <p:cNvSpPr/>
+          <p:nvPr/>
+        </p:nvSpPr>
+        <p:spPr>
+          <a:xfrm>
+            <a:off x="721557" y="5004261"/>
+            <a:ext cx="8125023" cy="369332"/>
+          </a:xfrm>
+          <a:prstGeom prst="rect">
+            <a:avLst/>
+          </a:prstGeom>
+        </p:spPr>
+        <p:txBody>
+          <a:bodyPr wrap="square">
+            <a:spAutoFit/>
+          </a:bodyPr>
+          <a:lstStyle/>
+          <a:p>
+            <a:pPr marL="285750" indent="-285750">
+              <a:buFont typeface="Arial"/>
+              <a:buChar char="•"/>
+            </a:pPr>
+            <a:r>
+              <a:rPr lang="zh-TW" altLang="en-US" dirty="0" smtClean="0">
+                <a:solidFill>
+                  <a:schemeClr val="bg1">
+                    <a:lumMod val="50000"/>
+                  </a:schemeClr>
+                </a:solidFill>
+              </a:rPr>
+              <a:t>Ｐ</a:t>
+            </a:r>
+            <a:r>
+              <a:rPr lang="en-US" altLang="zh-TW" dirty="0" smtClean="0">
+                <a:solidFill>
+                  <a:schemeClr val="bg1">
+                    <a:lumMod val="50000"/>
+                  </a:schemeClr>
+                </a:solidFill>
+              </a:rPr>
+              <a:t>C</a:t>
+            </a:r>
+            <a:r>
+              <a:rPr lang="zh-TW" altLang="en-US" dirty="0" smtClean="0">
+                <a:solidFill>
+                  <a:schemeClr val="bg1">
+                    <a:lumMod val="50000"/>
+                  </a:schemeClr>
+                </a:solidFill>
+              </a:rPr>
+              <a:t>更新過的檔案後一定時間送回遠端伺服器</a:t>
+            </a:r>
+            <a:r>
+              <a:rPr lang="en-US" altLang="zh-TW" dirty="0" smtClean="0">
+                <a:solidFill>
+                  <a:schemeClr val="bg1">
+                    <a:lumMod val="50000"/>
+                  </a:schemeClr>
+                </a:solidFill>
+              </a:rPr>
+              <a:t>,</a:t>
+            </a:r>
+            <a:r>
+              <a:rPr lang="zh-TW" altLang="en-US" dirty="0" smtClean="0">
+                <a:solidFill>
+                  <a:schemeClr val="bg1">
+                    <a:lumMod val="50000"/>
+                  </a:schemeClr>
+                </a:solidFill>
+              </a:rPr>
+              <a:t>要作的動作是</a:t>
+            </a:r>
+            <a:r>
+              <a:rPr lang="en-US" altLang="zh-TW" dirty="0" smtClean="0">
+                <a:solidFill>
+                  <a:schemeClr val="bg1">
+                    <a:lumMod val="50000"/>
+                  </a:schemeClr>
+                </a:solidFill>
+              </a:rPr>
+              <a:t>Push</a:t>
+            </a:r>
+          </a:p>
+        </p:txBody>
+      </p:sp>
+    </p:spTree>
+    <p:extLst>
+      <p:ext uri="{BB962C8B-B14F-4D97-AF65-F5344CB8AC3E}">
+        <p14:creationId xmlns:p14="http://schemas.microsoft.com/office/powerpoint/2010/main" val="3694002625"/>
+      </p:ext>
+    </p:extLst>
+  </p:cSld>
+  <p:clrMapOvr>
+    <a:masterClrMapping/>
+  </p:clrMapOvr>
+</p:sld>
+</file>
+
+<file path=ppt/slides/slide11.xml><?xml version="1.0" encoding="utf-8"?>
 <p:sld xmlns:a="http://schemas.openxmlformats.org/drawingml/2006/main" xmlns:r="http://schemas.openxmlformats.org/officeDocument/2006/relationships" xmlns:p="http://schemas.openxmlformats.org/presentationml/2006/main">
   <p:cSld>
     <p:spTree>
@@ -9819,7 +10760,7 @@
 </p:sld>
 </file>
 
-<file path=ppt/slides/slide11.xml><?xml version="1.0" encoding="utf-8"?>
+<file path=ppt/slides/slide12.xml><?xml version="1.0" encoding="utf-8"?>
 <p:sld xmlns:a="http://schemas.openxmlformats.org/drawingml/2006/main" xmlns:r="http://schemas.openxmlformats.org/officeDocument/2006/relationships" xmlns:p="http://schemas.openxmlformats.org/presentationml/2006/main">
   <p:cSld>
     <p:spTree>
@@ -9995,7 +10936,7 @@
 </p:sld>
 </file>
 
-<file path=ppt/slides/slide12.xml><?xml version="1.0" encoding="utf-8"?>
+<file path=ppt/slides/slide13.xml><?xml version="1.0" encoding="utf-8"?>
 <p:sld xmlns:a="http://schemas.openxmlformats.org/drawingml/2006/main" xmlns:r="http://schemas.openxmlformats.org/officeDocument/2006/relationships" xmlns:p="http://schemas.openxmlformats.org/presentationml/2006/main">
   <p:cSld>
     <p:spTree>
@@ -10012,6 +10953,89 @@
           <a:chExt cx="0" cy="0"/>
         </a:xfrm>
       </p:grpSpPr>
+      <p:sp>
+        <p:nvSpPr>
+          <p:cNvPr id="2" name="矩形 1"/>
+          <p:cNvSpPr/>
+          <p:nvPr/>
+        </p:nvSpPr>
+        <p:spPr>
+          <a:xfrm>
+            <a:off x="1043608" y="2828836"/>
+            <a:ext cx="7128792" cy="1754327"/>
+          </a:xfrm>
+          <a:prstGeom prst="rect">
+            <a:avLst/>
+          </a:prstGeom>
+        </p:spPr>
+        <p:txBody>
+          <a:bodyPr wrap="square">
+            <a:spAutoFit/>
+          </a:bodyPr>
+          <a:lstStyle/>
+          <a:p>
+            <a:r>
+              <a:rPr lang="zh-TW" altLang="en-US" dirty="0"/>
+              <a:t>要追蹤新增的檔案，我們可以使用</a:t>
+            </a:r>
+            <a:r>
+              <a:rPr lang="en-US" altLang="zh-TW" dirty="0" err="1"/>
+              <a:t>git</a:t>
+            </a:r>
+            <a:r>
+              <a:rPr lang="en-US" altLang="zh-TW" dirty="0"/>
+              <a:t> add</a:t>
+            </a:r>
+            <a:r>
+              <a:rPr lang="zh-TW" altLang="en-US" dirty="0"/>
+              <a:t>命令</a:t>
+            </a:r>
+            <a:endParaRPr lang="en-US" altLang="zh-CN" dirty="0" smtClean="0"/>
+          </a:p>
+          <a:p>
+            <a:r>
+              <a:rPr lang="en-US" altLang="zh-CN" dirty="0"/>
+              <a:t>Changes to be committed</a:t>
+            </a:r>
+            <a:r>
+              <a:rPr lang="en-US" altLang="zh-CN" dirty="0" smtClean="0"/>
+              <a:t>:</a:t>
+            </a:r>
+          </a:p>
+          <a:p>
+            <a:endParaRPr lang="en-US" altLang="zh-CN" dirty="0" smtClean="0"/>
+          </a:p>
+          <a:p>
+            <a:r>
+              <a:rPr lang="zh-TW" altLang="en-US" dirty="0"/>
+              <a:t>修改先前已被追蹤的檔</a:t>
+            </a:r>
+            <a:r>
+              <a:rPr lang="zh-TW" altLang="en-US" dirty="0" smtClean="0"/>
+              <a:t>案</a:t>
+            </a:r>
+            <a:r>
+              <a:rPr lang="en-US" altLang="zh-TW" smtClean="0"/>
+              <a:t>:</a:t>
+            </a:r>
+            <a:endParaRPr lang="en-US" altLang="zh-CN" dirty="0"/>
+          </a:p>
+          <a:p>
+            <a:r>
+              <a:rPr lang="zh-CN" altLang="en-US" dirty="0" smtClean="0"/>
+              <a:t>“</a:t>
+            </a:r>
+            <a:r>
+              <a:rPr lang="en-US" altLang="zh-CN" dirty="0"/>
+              <a:t>Changes not staged for commit” </a:t>
+            </a:r>
+            <a:r>
+              <a:rPr lang="zh-CN" altLang="en-US" dirty="0"/>
+              <a:t>下方，代表著這個檔案已被追蹤，而且位於工作目錄的該檔案已被修改，但尚未暫存。 要暫存該檔案</a:t>
+            </a:r>
+          </a:p>
+        </p:txBody>
+      </p:sp>
     </p:spTree>
     <p:extLst>
       <p:ext uri="{BB962C8B-B14F-4D97-AF65-F5344CB8AC3E}">
@@ -10042,129 +11066,10 @@
           <a:chExt cx="0" cy="0"/>
         </a:xfrm>
       </p:grpSpPr>
-      <p:sp>
-        <p:nvSpPr>
-          <p:cNvPr id="2" name="標題 1"/>
-          <p:cNvSpPr>
-            <a:spLocks noGrp="1"/>
-          </p:cNvSpPr>
-          <p:nvPr>
-            <p:ph type="title"/>
-          </p:nvPr>
-        </p:nvSpPr>
-        <p:spPr/>
-        <p:txBody>
-          <a:bodyPr/>
-          <a:lstStyle/>
-          <a:p>
-            <a:r>
-              <a:rPr kumimoji="1" lang="zh-TW" altLang="en-US" dirty="0" smtClean="0"/>
-              <a:t>檔案儲存版本控制（</a:t>
-            </a:r>
-            <a:r>
-              <a:rPr kumimoji="1" lang="en-US" altLang="zh-TW" dirty="0" smtClean="0"/>
-              <a:t>Subversion</a:t>
-            </a:r>
-            <a:r>
-              <a:rPr kumimoji="1" lang="zh-TW" altLang="en-US" dirty="0" smtClean="0"/>
-              <a:t>）</a:t>
-            </a:r>
-            <a:endParaRPr kumimoji="1" lang="zh-CN" altLang="en-US" dirty="0"/>
-          </a:p>
-        </p:txBody>
-      </p:sp>
-      <p:sp>
-        <p:nvSpPr>
-          <p:cNvPr id="3" name="矩形 2"/>
-          <p:cNvSpPr/>
-          <p:nvPr/>
-        </p:nvSpPr>
-        <p:spPr>
-          <a:xfrm>
-            <a:off x="827584" y="1484784"/>
-            <a:ext cx="7632848" cy="3416320"/>
-          </a:xfrm>
-          <a:prstGeom prst="rect">
-            <a:avLst/>
-          </a:prstGeom>
-        </p:spPr>
-        <p:txBody>
-          <a:bodyPr wrap="square">
-            <a:spAutoFit/>
-          </a:bodyPr>
-          <a:lstStyle/>
-          <a:p>
-            <a:r>
-              <a:rPr lang="zh-CN" altLang="en-US" sz="2400" dirty="0"/>
-              <a:t>版本控制的功能，他會記錄你每次的更新或是每次的上傳檔案的內容，把游標移動到檔案上面，出現選擇調時可移動到版本這個選項，就會出現可以回復到哪個時間的版本，以防止被誤改</a:t>
-            </a:r>
-            <a:r>
-              <a:rPr lang="zh-CN" altLang="en-US" sz="2400" dirty="0" smtClean="0"/>
-              <a:t>；</a:t>
-            </a:r>
-            <a:endParaRPr lang="en-US" altLang="zh-CN" sz="2400" dirty="0" smtClean="0"/>
-          </a:p>
-          <a:p>
-            <a:endParaRPr lang="en-US" altLang="zh-CN" sz="2400" dirty="0"/>
-          </a:p>
-          <a:p>
-            <a:r>
-              <a:rPr lang="zh-TW" altLang="en-US" sz="2400" dirty="0" smtClean="0"/>
-              <a:t>方式一：檔案</a:t>
-            </a:r>
-            <a:r>
-              <a:rPr lang="zh-CN" altLang="en-US" sz="2400" dirty="0" smtClean="0"/>
-              <a:t>系統會記錄</a:t>
-            </a:r>
-            <a:r>
-              <a:rPr lang="zh-CN" altLang="en-US" sz="2400" dirty="0"/>
-              <a:t>異動的區塊</a:t>
-            </a:r>
-            <a:r>
-              <a:rPr lang="en-US" altLang="zh-CN" sz="2400" dirty="0"/>
-              <a:t>(Disk Block</a:t>
-            </a:r>
-            <a:r>
-              <a:rPr lang="en-US" altLang="zh-CN" sz="2400" dirty="0" smtClean="0"/>
-              <a:t>)</a:t>
-            </a:r>
-          </a:p>
-          <a:p>
-            <a:endParaRPr lang="en-US" altLang="zh-CN" sz="2400" dirty="0"/>
-          </a:p>
-          <a:p>
-            <a:r>
-              <a:rPr lang="zh-TW" altLang="en-US" sz="2400" dirty="0" smtClean="0"/>
-              <a:t>方式二：</a:t>
-            </a:r>
-            <a:r>
-              <a:rPr lang="zh-CN" altLang="en-US" sz="2400" dirty="0" smtClean="0"/>
-              <a:t>單一檔</a:t>
-            </a:r>
-            <a:r>
-              <a:rPr lang="zh-CN" altLang="en-US" sz="2400" dirty="0"/>
-              <a:t>案</a:t>
-            </a:r>
-            <a:r>
-              <a:rPr lang="zh-CN" altLang="en-US" sz="2400" dirty="0" smtClean="0"/>
-              <a:t>多次紀錄</a:t>
-            </a:r>
-            <a:r>
-              <a:rPr lang="zh-TW" altLang="en-US" sz="2400" dirty="0" smtClean="0"/>
-              <a:t>，</a:t>
-            </a:r>
-            <a:r>
-              <a:rPr lang="zh-TW" altLang="en-US" sz="2400" dirty="0"/>
-              <a:t>在另一個路徑會把該檔案存不同日期的檔案名稱</a:t>
-            </a:r>
-            <a:endParaRPr lang="zh-CN" altLang="en-US" sz="2400" dirty="0"/>
-          </a:p>
-        </p:txBody>
-      </p:sp>
     </p:spTree>
     <p:extLst>
       <p:ext uri="{BB962C8B-B14F-4D97-AF65-F5344CB8AC3E}">
-        <p14:creationId xmlns:p14="http://schemas.microsoft.com/office/powerpoint/2010/main" val="265826607"/>
+        <p14:creationId xmlns:p14="http://schemas.microsoft.com/office/powerpoint/2010/main" val="3438854226"/>
       </p:ext>
     </p:extLst>
   </p:cSld>
@@ -10208,6 +11113,155 @@
           <a:p>
             <a:r>
               <a:rPr kumimoji="1" lang="zh-TW" altLang="en-US" dirty="0" smtClean="0"/>
+              <a:t>檔案儲存版本控制（</a:t>
+            </a:r>
+            <a:r>
+              <a:rPr kumimoji="1" lang="en-US" altLang="zh-TW" dirty="0" smtClean="0"/>
+              <a:t>Subversion</a:t>
+            </a:r>
+            <a:r>
+              <a:rPr kumimoji="1" lang="zh-TW" altLang="en-US" dirty="0" smtClean="0"/>
+              <a:t>）</a:t>
+            </a:r>
+            <a:endParaRPr kumimoji="1" lang="zh-CN" altLang="en-US" dirty="0"/>
+          </a:p>
+        </p:txBody>
+      </p:sp>
+      <p:sp>
+        <p:nvSpPr>
+          <p:cNvPr id="3" name="矩形 2"/>
+          <p:cNvSpPr/>
+          <p:nvPr/>
+        </p:nvSpPr>
+        <p:spPr>
+          <a:xfrm>
+            <a:off x="827584" y="1484784"/>
+            <a:ext cx="7632848" cy="3416320"/>
+          </a:xfrm>
+          <a:prstGeom prst="rect">
+            <a:avLst/>
+          </a:prstGeom>
+        </p:spPr>
+        <p:txBody>
+          <a:bodyPr wrap="square">
+            <a:spAutoFit/>
+          </a:bodyPr>
+          <a:lstStyle/>
+          <a:p>
+            <a:r>
+              <a:rPr lang="zh-CN" altLang="en-US" sz="2400" dirty="0"/>
+              <a:t>版本控制的功能，他會記錄你每次的更新或是每次的上傳檔案的內容，把游標移動到檔案上面，出現選擇調時可移動到版本這個選項，就會出現可以回復到哪個時間的版本，以防止被誤改</a:t>
+            </a:r>
+            <a:r>
+              <a:rPr lang="zh-CN" altLang="en-US" sz="2400" dirty="0" smtClean="0"/>
+              <a:t>；</a:t>
+            </a:r>
+            <a:endParaRPr lang="en-US" altLang="zh-CN" sz="2400" dirty="0" smtClean="0"/>
+          </a:p>
+          <a:p>
+            <a:endParaRPr lang="en-US" altLang="zh-CN" sz="2400" dirty="0"/>
+          </a:p>
+          <a:p>
+            <a:r>
+              <a:rPr lang="zh-TW" altLang="en-US" sz="2400" dirty="0" smtClean="0"/>
+              <a:t>方式一：檔案</a:t>
+            </a:r>
+            <a:r>
+              <a:rPr lang="zh-CN" altLang="en-US" sz="2400" dirty="0" smtClean="0"/>
+              <a:t>系統會記錄</a:t>
+            </a:r>
+            <a:r>
+              <a:rPr lang="zh-CN" altLang="en-US" sz="2400" dirty="0"/>
+              <a:t>異動的區塊</a:t>
+            </a:r>
+            <a:r>
+              <a:rPr lang="en-US" altLang="zh-CN" sz="2400" dirty="0"/>
+              <a:t>(Disk Block</a:t>
+            </a:r>
+            <a:r>
+              <a:rPr lang="en-US" altLang="zh-CN" sz="2400" dirty="0" smtClean="0"/>
+              <a:t>)</a:t>
+            </a:r>
+          </a:p>
+          <a:p>
+            <a:endParaRPr lang="en-US" altLang="zh-CN" sz="2400" dirty="0"/>
+          </a:p>
+          <a:p>
+            <a:r>
+              <a:rPr lang="zh-TW" altLang="en-US" sz="2400" dirty="0" smtClean="0"/>
+              <a:t>方式二：</a:t>
+            </a:r>
+            <a:r>
+              <a:rPr lang="zh-CN" altLang="en-US" sz="2400" dirty="0" smtClean="0"/>
+              <a:t>單一檔</a:t>
+            </a:r>
+            <a:r>
+              <a:rPr lang="zh-CN" altLang="en-US" sz="2400" dirty="0"/>
+              <a:t>案</a:t>
+            </a:r>
+            <a:r>
+              <a:rPr lang="zh-CN" altLang="en-US" sz="2400" dirty="0" smtClean="0"/>
+              <a:t>多次紀錄</a:t>
+            </a:r>
+            <a:r>
+              <a:rPr lang="zh-TW" altLang="en-US" sz="2400" dirty="0" smtClean="0"/>
+              <a:t>，</a:t>
+            </a:r>
+            <a:r>
+              <a:rPr lang="zh-TW" altLang="en-US" sz="2400" dirty="0"/>
+              <a:t>在另一個路徑會把該檔案存不同日期的檔案名稱</a:t>
+            </a:r>
+            <a:endParaRPr lang="zh-CN" altLang="en-US" sz="2400" dirty="0"/>
+          </a:p>
+        </p:txBody>
+      </p:sp>
+    </p:spTree>
+    <p:extLst>
+      <p:ext uri="{BB962C8B-B14F-4D97-AF65-F5344CB8AC3E}">
+        <p14:creationId xmlns:p14="http://schemas.microsoft.com/office/powerpoint/2010/main" val="265826607"/>
+      </p:ext>
+    </p:extLst>
+  </p:cSld>
+  <p:clrMapOvr>
+    <a:masterClrMapping/>
+  </p:clrMapOvr>
+</p:sld>
+</file>
+
+<file path=ppt/slides/slide4.xml><?xml version="1.0" encoding="utf-8"?>
+<p:sld xmlns:a="http://schemas.openxmlformats.org/drawingml/2006/main" xmlns:r="http://schemas.openxmlformats.org/officeDocument/2006/relationships" xmlns:p="http://schemas.openxmlformats.org/presentationml/2006/main">
+  <p:cSld>
+    <p:spTree>
+      <p:nvGrpSpPr>
+        <p:cNvPr id="1" name=""/>
+        <p:cNvGrpSpPr/>
+        <p:nvPr/>
+      </p:nvGrpSpPr>
+      <p:grpSpPr>
+        <a:xfrm>
+          <a:off x="0" y="0"/>
+          <a:ext cx="0" cy="0"/>
+          <a:chOff x="0" y="0"/>
+          <a:chExt cx="0" cy="0"/>
+        </a:xfrm>
+      </p:grpSpPr>
+      <p:sp>
+        <p:nvSpPr>
+          <p:cNvPr id="2" name="標題 1"/>
+          <p:cNvSpPr>
+            <a:spLocks noGrp="1"/>
+          </p:cNvSpPr>
+          <p:nvPr>
+            <p:ph type="title"/>
+          </p:nvPr>
+        </p:nvSpPr>
+        <p:spPr/>
+        <p:txBody>
+          <a:bodyPr/>
+          <a:lstStyle/>
+          <a:p>
+            <a:r>
+              <a:rPr kumimoji="1" lang="zh-TW" altLang="en-US" dirty="0" smtClean="0"/>
               <a:t>Ｑ</a:t>
             </a:r>
             <a:r>
@@ -10341,7 +11395,7 @@
 </p:sld>
 </file>
 
-<file path=ppt/slides/slide4.xml><?xml version="1.0" encoding="utf-8"?>
+<file path=ppt/slides/slide5.xml><?xml version="1.0" encoding="utf-8"?>
 <p:sld xmlns:a="http://schemas.openxmlformats.org/drawingml/2006/main" xmlns:r="http://schemas.openxmlformats.org/officeDocument/2006/relationships" xmlns:p="http://schemas.openxmlformats.org/presentationml/2006/main">
   <p:cSld>
     <p:bg>
@@ -10496,7 +11550,7 @@
 </p:sld>
 </file>
 
-<file path=ppt/slides/slide5.xml><?xml version="1.0" encoding="utf-8"?>
+<file path=ppt/slides/slide6.xml><?xml version="1.0" encoding="utf-8"?>
 <p:sld xmlns:a="http://schemas.openxmlformats.org/drawingml/2006/main" xmlns:r="http://schemas.openxmlformats.org/officeDocument/2006/relationships" xmlns:p="http://schemas.openxmlformats.org/presentationml/2006/main">
   <p:cSld>
     <p:spTree>
@@ -11096,7 +12150,7 @@
 </p:sld>
 </file>
 
-<file path=ppt/slides/slide6.xml><?xml version="1.0" encoding="utf-8"?>
+<file path=ppt/slides/slide7.xml><?xml version="1.0" encoding="utf-8"?>
 <p:sld xmlns:a="http://schemas.openxmlformats.org/drawingml/2006/main" xmlns:r="http://schemas.openxmlformats.org/officeDocument/2006/relationships" xmlns:p="http://schemas.openxmlformats.org/presentationml/2006/main">
   <p:cSld>
     <p:spTree>
@@ -11620,7 +12674,7 @@
 </p:sld>
 </file>
 
-<file path=ppt/slides/slide7.xml><?xml version="1.0" encoding="utf-8"?>
+<file path=ppt/slides/slide8.xml><?xml version="1.0" encoding="utf-8"?>
 <p:sld xmlns:a="http://schemas.openxmlformats.org/drawingml/2006/main" xmlns:r="http://schemas.openxmlformats.org/officeDocument/2006/relationships" xmlns:p="http://schemas.openxmlformats.org/presentationml/2006/main">
   <p:cSld>
     <p:spTree>
@@ -11853,7 +12907,7 @@
 </p:sld>
 </file>
 
-<file path=ppt/slides/slide8.xml><?xml version="1.0" encoding="utf-8"?>
+<file path=ppt/slides/slide9.xml><?xml version="1.0" encoding="utf-8"?>
 <p:sld xmlns:a="http://schemas.openxmlformats.org/drawingml/2006/main" xmlns:r="http://schemas.openxmlformats.org/officeDocument/2006/relationships" xmlns:p="http://schemas.openxmlformats.org/presentationml/2006/main">
   <p:cSld>
     <p:spTree>
@@ -13064,946 +14118,6 @@
     <p:extLst>
       <p:ext uri="{BB962C8B-B14F-4D97-AF65-F5344CB8AC3E}">
         <p14:creationId xmlns:p14="http://schemas.microsoft.com/office/powerpoint/2010/main" val="1768281293"/>
-      </p:ext>
-    </p:extLst>
-  </p:cSld>
-  <p:clrMapOvr>
-    <a:masterClrMapping/>
-  </p:clrMapOvr>
-</p:sld>
-</file>
-
-<file path=ppt/slides/slide9.xml><?xml version="1.0" encoding="utf-8"?>
-<p:sld xmlns:a="http://schemas.openxmlformats.org/drawingml/2006/main" xmlns:r="http://schemas.openxmlformats.org/officeDocument/2006/relationships" xmlns:p="http://schemas.openxmlformats.org/presentationml/2006/main">
-  <p:cSld>
-    <p:spTree>
-      <p:nvGrpSpPr>
-        <p:cNvPr id="1" name=""/>
-        <p:cNvGrpSpPr/>
-        <p:nvPr/>
-      </p:nvGrpSpPr>
-      <p:grpSpPr>
-        <a:xfrm>
-          <a:off x="0" y="0"/>
-          <a:ext cx="0" cy="0"/>
-          <a:chOff x="0" y="0"/>
-          <a:chExt cx="0" cy="0"/>
-        </a:xfrm>
-      </p:grpSpPr>
-      <p:sp>
-        <p:nvSpPr>
-          <p:cNvPr id="2" name="標題 1"/>
-          <p:cNvSpPr>
-            <a:spLocks noGrp="1"/>
-          </p:cNvSpPr>
-          <p:nvPr>
-            <p:ph type="title"/>
-          </p:nvPr>
-        </p:nvSpPr>
-        <p:spPr>
-          <a:xfrm>
-            <a:off x="434975" y="218047"/>
-            <a:ext cx="8229600" cy="330633"/>
-          </a:xfrm>
-        </p:spPr>
-        <p:txBody>
-          <a:bodyPr/>
-          <a:lstStyle/>
-          <a:p>
-            <a:r>
-              <a:rPr kumimoji="1" lang="en-US" altLang="zh-CN" sz="3200" dirty="0" smtClean="0"/>
-              <a:t>Push</a:t>
-            </a:r>
-            <a:endParaRPr kumimoji="1" lang="zh-CN" altLang="en-US" sz="3200" dirty="0"/>
-          </a:p>
-        </p:txBody>
-      </p:sp>
-      <p:grpSp>
-        <p:nvGrpSpPr>
-          <p:cNvPr id="12" name="群組 11"/>
-          <p:cNvGrpSpPr/>
-          <p:nvPr/>
-        </p:nvGrpSpPr>
-        <p:grpSpPr>
-          <a:xfrm>
-            <a:off x="539552" y="787346"/>
-            <a:ext cx="1440160" cy="2093592"/>
-            <a:chOff x="3059832" y="1623440"/>
-            <a:chExt cx="1440160" cy="2093592"/>
-          </a:xfrm>
-        </p:grpSpPr>
-        <p:sp>
-          <p:nvSpPr>
-            <p:cNvPr id="3" name="矩形 2"/>
-            <p:cNvSpPr/>
-            <p:nvPr/>
-          </p:nvSpPr>
-          <p:spPr>
-            <a:xfrm>
-              <a:off x="3059832" y="1623440"/>
-              <a:ext cx="1440160" cy="2093592"/>
-            </a:xfrm>
-            <a:prstGeom prst="rect">
-              <a:avLst/>
-            </a:prstGeom>
-            <a:solidFill>
-              <a:schemeClr val="bg1">
-                <a:lumMod val="75000"/>
-              </a:schemeClr>
-            </a:solidFill>
-            <a:ln>
-              <a:noFill/>
-            </a:ln>
-          </p:spPr>
-          <p:style>
-            <a:lnRef idx="1">
-              <a:schemeClr val="accent1"/>
-            </a:lnRef>
-            <a:fillRef idx="3">
-              <a:schemeClr val="accent1"/>
-            </a:fillRef>
-            <a:effectRef idx="2">
-              <a:schemeClr val="accent1"/>
-            </a:effectRef>
-            <a:fontRef idx="minor">
-              <a:schemeClr val="lt1"/>
-            </a:fontRef>
-          </p:style>
-          <p:txBody>
-            <a:bodyPr rtlCol="0" anchor="ctr"/>
-            <a:lstStyle/>
-            <a:p>
-              <a:pPr algn="ctr"/>
-              <a:endParaRPr kumimoji="1" lang="zh-CN" altLang="en-US"/>
-            </a:p>
-          </p:txBody>
-        </p:sp>
-        <p:sp>
-          <p:nvSpPr>
-            <p:cNvPr id="4" name="矩形 3"/>
-            <p:cNvSpPr/>
-            <p:nvPr/>
-          </p:nvSpPr>
-          <p:spPr>
-            <a:xfrm>
-              <a:off x="3275856" y="2083136"/>
-              <a:ext cx="1016496" cy="1489880"/>
-            </a:xfrm>
-            <a:prstGeom prst="rect">
-              <a:avLst/>
-            </a:prstGeom>
-            <a:solidFill>
-              <a:srgbClr val="FFFFFF"/>
-            </a:solidFill>
-            <a:ln>
-              <a:noFill/>
-            </a:ln>
-          </p:spPr>
-          <p:style>
-            <a:lnRef idx="1">
-              <a:schemeClr val="accent1"/>
-            </a:lnRef>
-            <a:fillRef idx="3">
-              <a:schemeClr val="accent1"/>
-            </a:fillRef>
-            <a:effectRef idx="2">
-              <a:schemeClr val="accent1"/>
-            </a:effectRef>
-            <a:fontRef idx="minor">
-              <a:schemeClr val="lt1"/>
-            </a:fontRef>
-          </p:style>
-          <p:txBody>
-            <a:bodyPr rtlCol="0" anchor="t"/>
-            <a:lstStyle/>
-            <a:p>
-              <a:pPr algn="ctr"/>
-              <a:r>
-                <a:rPr kumimoji="1" lang="en-US" altLang="zh-CN" sz="1000" dirty="0" smtClean="0">
-                  <a:solidFill>
-                    <a:schemeClr val="bg1">
-                      <a:lumMod val="10000"/>
-                    </a:schemeClr>
-                  </a:solidFill>
-                </a:rPr>
-                <a:t>Version Database</a:t>
-              </a:r>
-              <a:endParaRPr kumimoji="1" lang="zh-CN" altLang="en-US" sz="1000" dirty="0">
-                <a:solidFill>
-                  <a:schemeClr val="bg1">
-                    <a:lumMod val="10000"/>
-                  </a:schemeClr>
-                </a:solidFill>
-              </a:endParaRPr>
-            </a:p>
-          </p:txBody>
-        </p:sp>
-        <p:sp>
-          <p:nvSpPr>
-            <p:cNvPr id="7" name="文字方塊 6"/>
-            <p:cNvSpPr txBox="1"/>
-            <p:nvPr/>
-          </p:nvSpPr>
-          <p:spPr>
-            <a:xfrm>
-              <a:off x="3140194" y="1660158"/>
-              <a:ext cx="1160512" cy="338554"/>
-            </a:xfrm>
-            <a:prstGeom prst="rect">
-              <a:avLst/>
-            </a:prstGeom>
-            <a:noFill/>
-          </p:spPr>
-          <p:txBody>
-            <a:bodyPr wrap="square" rtlCol="0">
-              <a:spAutoFit/>
-            </a:bodyPr>
-            <a:lstStyle/>
-            <a:p>
-              <a:pPr algn="ctr"/>
-              <a:r>
-                <a:rPr kumimoji="1" lang="en-US" altLang="zh-CN" sz="1600" dirty="0" smtClean="0">
-                  <a:solidFill>
-                    <a:srgbClr val="141414"/>
-                  </a:solidFill>
-                </a:rPr>
-                <a:t>Server</a:t>
-              </a:r>
-              <a:endParaRPr kumimoji="1" lang="zh-CN" altLang="en-US" sz="1600" dirty="0">
-                <a:solidFill>
-                  <a:srgbClr val="141414"/>
-                </a:solidFill>
-              </a:endParaRPr>
-            </a:p>
-          </p:txBody>
-        </p:sp>
-        <p:sp>
-          <p:nvSpPr>
-            <p:cNvPr id="8" name="圓角矩形 7"/>
-            <p:cNvSpPr/>
-            <p:nvPr/>
-          </p:nvSpPr>
-          <p:spPr>
-            <a:xfrm>
-              <a:off x="3347864" y="2492896"/>
-              <a:ext cx="864096" cy="360040"/>
-            </a:xfrm>
-            <a:prstGeom prst="roundRect">
-              <a:avLst/>
-            </a:prstGeom>
-            <a:solidFill>
-              <a:srgbClr val="CCFFCC"/>
-            </a:solidFill>
-          </p:spPr>
-          <p:style>
-            <a:lnRef idx="1">
-              <a:schemeClr val="accent1"/>
-            </a:lnRef>
-            <a:fillRef idx="3">
-              <a:schemeClr val="accent1"/>
-            </a:fillRef>
-            <a:effectRef idx="2">
-              <a:schemeClr val="accent1"/>
-            </a:effectRef>
-            <a:fontRef idx="minor">
-              <a:schemeClr val="lt1"/>
-            </a:fontRef>
-          </p:style>
-          <p:txBody>
-            <a:bodyPr rtlCol="0" anchor="ctr"/>
-            <a:lstStyle/>
-            <a:p>
-              <a:pPr algn="ctr"/>
-              <a:r>
-                <a:rPr kumimoji="1" lang="en-US" altLang="zh-CN" sz="1200" dirty="0" smtClean="0">
-                  <a:solidFill>
-                    <a:srgbClr val="141414"/>
-                  </a:solidFill>
-                </a:rPr>
-                <a:t>Version 2</a:t>
-              </a:r>
-              <a:endParaRPr kumimoji="1" lang="zh-CN" altLang="en-US" sz="1200" dirty="0">
-                <a:solidFill>
-                  <a:srgbClr val="141414"/>
-                </a:solidFill>
-              </a:endParaRPr>
-            </a:p>
-          </p:txBody>
-        </p:sp>
-        <p:sp>
-          <p:nvSpPr>
-            <p:cNvPr id="9" name="圓角矩形 8"/>
-            <p:cNvSpPr/>
-            <p:nvPr/>
-          </p:nvSpPr>
-          <p:spPr>
-            <a:xfrm>
-              <a:off x="3325624" y="3002666"/>
-              <a:ext cx="886336" cy="360040"/>
-            </a:xfrm>
-            <a:prstGeom prst="roundRect">
-              <a:avLst/>
-            </a:prstGeom>
-            <a:solidFill>
-              <a:srgbClr val="CCFFCC"/>
-            </a:solidFill>
-          </p:spPr>
-          <p:style>
-            <a:lnRef idx="1">
-              <a:schemeClr val="accent1"/>
-            </a:lnRef>
-            <a:fillRef idx="3">
-              <a:schemeClr val="accent1"/>
-            </a:fillRef>
-            <a:effectRef idx="2">
-              <a:schemeClr val="accent1"/>
-            </a:effectRef>
-            <a:fontRef idx="minor">
-              <a:schemeClr val="lt1"/>
-            </a:fontRef>
-          </p:style>
-          <p:txBody>
-            <a:bodyPr rtlCol="0" anchor="ctr"/>
-            <a:lstStyle/>
-            <a:p>
-              <a:pPr algn="ctr"/>
-              <a:r>
-                <a:rPr kumimoji="1" lang="en-US" altLang="zh-CN" sz="1200" dirty="0" smtClean="0">
-                  <a:solidFill>
-                    <a:srgbClr val="141414"/>
-                  </a:solidFill>
-                </a:rPr>
-                <a:t>Version 1</a:t>
-              </a:r>
-              <a:endParaRPr kumimoji="1" lang="zh-CN" altLang="en-US" sz="1200" dirty="0">
-                <a:solidFill>
-                  <a:srgbClr val="141414"/>
-                </a:solidFill>
-              </a:endParaRPr>
-            </a:p>
-          </p:txBody>
-        </p:sp>
-        <p:cxnSp>
-          <p:nvCxnSpPr>
-            <p:cNvPr id="11" name="直線接點 10"/>
-            <p:cNvCxnSpPr>
-              <a:stCxn id="8" idx="2"/>
-            </p:cNvCxnSpPr>
-            <p:nvPr/>
-          </p:nvCxnSpPr>
-          <p:spPr>
-            <a:xfrm>
-              <a:off x="3779912" y="2852936"/>
-              <a:ext cx="0" cy="149730"/>
-            </a:xfrm>
-            <a:prstGeom prst="line">
-              <a:avLst/>
-            </a:prstGeom>
-          </p:spPr>
-          <p:style>
-            <a:lnRef idx="2">
-              <a:schemeClr val="accent1"/>
-            </a:lnRef>
-            <a:fillRef idx="0">
-              <a:schemeClr val="accent1"/>
-            </a:fillRef>
-            <a:effectRef idx="1">
-              <a:schemeClr val="accent1"/>
-            </a:effectRef>
-            <a:fontRef idx="minor">
-              <a:schemeClr val="tx1"/>
-            </a:fontRef>
-          </p:style>
-        </p:cxnSp>
-      </p:grpSp>
-      <p:grpSp>
-        <p:nvGrpSpPr>
-          <p:cNvPr id="23" name="群組 22"/>
-          <p:cNvGrpSpPr/>
-          <p:nvPr/>
-        </p:nvGrpSpPr>
-        <p:grpSpPr>
-          <a:xfrm>
-            <a:off x="2987824" y="1955870"/>
-            <a:ext cx="1440160" cy="2488860"/>
-            <a:chOff x="5436096" y="2708920"/>
-            <a:chExt cx="1440160" cy="2488860"/>
-          </a:xfrm>
-        </p:grpSpPr>
-        <p:sp>
-          <p:nvSpPr>
-            <p:cNvPr id="14" name="矩形 13"/>
-            <p:cNvSpPr/>
-            <p:nvPr/>
-          </p:nvSpPr>
-          <p:spPr>
-            <a:xfrm>
-              <a:off x="5436096" y="2708920"/>
-              <a:ext cx="1440160" cy="2488860"/>
-            </a:xfrm>
-            <a:prstGeom prst="rect">
-              <a:avLst/>
-            </a:prstGeom>
-            <a:solidFill>
-              <a:schemeClr val="bg1">
-                <a:lumMod val="75000"/>
-              </a:schemeClr>
-            </a:solidFill>
-            <a:ln>
-              <a:noFill/>
-            </a:ln>
-          </p:spPr>
-          <p:style>
-            <a:lnRef idx="1">
-              <a:schemeClr val="accent1"/>
-            </a:lnRef>
-            <a:fillRef idx="3">
-              <a:schemeClr val="accent1"/>
-            </a:fillRef>
-            <a:effectRef idx="2">
-              <a:schemeClr val="accent1"/>
-            </a:effectRef>
-            <a:fontRef idx="minor">
-              <a:schemeClr val="lt1"/>
-            </a:fontRef>
-          </p:style>
-          <p:txBody>
-            <a:bodyPr rtlCol="0" anchor="ctr"/>
-            <a:lstStyle/>
-            <a:p>
-              <a:pPr algn="ctr"/>
-              <a:endParaRPr kumimoji="1" lang="zh-CN" altLang="en-US"/>
-            </a:p>
-          </p:txBody>
-        </p:sp>
-        <p:sp>
-          <p:nvSpPr>
-            <p:cNvPr id="15" name="矩形 14"/>
-            <p:cNvSpPr/>
-            <p:nvPr/>
-          </p:nvSpPr>
-          <p:spPr>
-            <a:xfrm>
-              <a:off x="5652120" y="3563884"/>
-              <a:ext cx="1016496" cy="1489880"/>
-            </a:xfrm>
-            <a:prstGeom prst="rect">
-              <a:avLst/>
-            </a:prstGeom>
-            <a:solidFill>
-              <a:srgbClr val="FFFFFF"/>
-            </a:solidFill>
-            <a:ln>
-              <a:noFill/>
-            </a:ln>
-          </p:spPr>
-          <p:style>
-            <a:lnRef idx="1">
-              <a:schemeClr val="accent1"/>
-            </a:lnRef>
-            <a:fillRef idx="3">
-              <a:schemeClr val="accent1"/>
-            </a:fillRef>
-            <a:effectRef idx="2">
-              <a:schemeClr val="accent1"/>
-            </a:effectRef>
-            <a:fontRef idx="minor">
-              <a:schemeClr val="lt1"/>
-            </a:fontRef>
-          </p:style>
-          <p:txBody>
-            <a:bodyPr rtlCol="0" anchor="t"/>
-            <a:lstStyle/>
-            <a:p>
-              <a:pPr algn="ctr"/>
-              <a:r>
-                <a:rPr kumimoji="1" lang="en-US" altLang="zh-CN" sz="1000" dirty="0" smtClean="0">
-                  <a:solidFill>
-                    <a:schemeClr val="bg1">
-                      <a:lumMod val="10000"/>
-                    </a:schemeClr>
-                  </a:solidFill>
-                </a:rPr>
-                <a:t>Version Database</a:t>
-              </a:r>
-              <a:endParaRPr kumimoji="1" lang="zh-CN" altLang="en-US" sz="1000" dirty="0">
-                <a:solidFill>
-                  <a:schemeClr val="bg1">
-                    <a:lumMod val="10000"/>
-                  </a:schemeClr>
-                </a:solidFill>
-              </a:endParaRPr>
-            </a:p>
-          </p:txBody>
-        </p:sp>
-        <p:sp>
-          <p:nvSpPr>
-            <p:cNvPr id="16" name="文字方塊 15"/>
-            <p:cNvSpPr txBox="1"/>
-            <p:nvPr/>
-          </p:nvSpPr>
-          <p:spPr>
-            <a:xfrm>
-              <a:off x="5512281" y="2731265"/>
-              <a:ext cx="1287790" cy="338554"/>
-            </a:xfrm>
-            <a:prstGeom prst="rect">
-              <a:avLst/>
-            </a:prstGeom>
-            <a:noFill/>
-          </p:spPr>
-          <p:txBody>
-            <a:bodyPr wrap="square" rtlCol="0">
-              <a:spAutoFit/>
-            </a:bodyPr>
-            <a:lstStyle/>
-            <a:p>
-              <a:pPr algn="ctr"/>
-              <a:r>
-                <a:rPr kumimoji="1" lang="en-US" altLang="zh-CN" sz="1600" dirty="0" smtClean="0">
-                  <a:solidFill>
-                    <a:srgbClr val="141414"/>
-                  </a:solidFill>
-                </a:rPr>
-                <a:t>Computer A</a:t>
-              </a:r>
-              <a:endParaRPr kumimoji="1" lang="zh-CN" altLang="en-US" sz="1600" dirty="0">
-                <a:solidFill>
-                  <a:srgbClr val="141414"/>
-                </a:solidFill>
-              </a:endParaRPr>
-            </a:p>
-          </p:txBody>
-        </p:sp>
-        <p:sp>
-          <p:nvSpPr>
-            <p:cNvPr id="17" name="圓角矩形 16"/>
-            <p:cNvSpPr/>
-            <p:nvPr/>
-          </p:nvSpPr>
-          <p:spPr>
-            <a:xfrm>
-              <a:off x="5724128" y="3973644"/>
-              <a:ext cx="864096" cy="360040"/>
-            </a:xfrm>
-            <a:prstGeom prst="roundRect">
-              <a:avLst/>
-            </a:prstGeom>
-            <a:solidFill>
-              <a:srgbClr val="CCFFCC"/>
-            </a:solidFill>
-          </p:spPr>
-          <p:style>
-            <a:lnRef idx="1">
-              <a:schemeClr val="accent1"/>
-            </a:lnRef>
-            <a:fillRef idx="3">
-              <a:schemeClr val="accent1"/>
-            </a:fillRef>
-            <a:effectRef idx="2">
-              <a:schemeClr val="accent1"/>
-            </a:effectRef>
-            <a:fontRef idx="minor">
-              <a:schemeClr val="lt1"/>
-            </a:fontRef>
-          </p:style>
-          <p:txBody>
-            <a:bodyPr rtlCol="0" anchor="ctr"/>
-            <a:lstStyle/>
-            <a:p>
-              <a:pPr algn="ctr"/>
-              <a:r>
-                <a:rPr kumimoji="1" lang="en-US" altLang="zh-CN" sz="1200" dirty="0" smtClean="0">
-                  <a:solidFill>
-                    <a:srgbClr val="141414"/>
-                  </a:solidFill>
-                </a:rPr>
-                <a:t>Version 2</a:t>
-              </a:r>
-              <a:endParaRPr kumimoji="1" lang="zh-CN" altLang="en-US" sz="1200" dirty="0">
-                <a:solidFill>
-                  <a:srgbClr val="141414"/>
-                </a:solidFill>
-              </a:endParaRPr>
-            </a:p>
-          </p:txBody>
-        </p:sp>
-        <p:sp>
-          <p:nvSpPr>
-            <p:cNvPr id="18" name="圓角矩形 17"/>
-            <p:cNvSpPr/>
-            <p:nvPr/>
-          </p:nvSpPr>
-          <p:spPr>
-            <a:xfrm>
-              <a:off x="5701888" y="4483414"/>
-              <a:ext cx="886336" cy="360040"/>
-            </a:xfrm>
-            <a:prstGeom prst="roundRect">
-              <a:avLst/>
-            </a:prstGeom>
-            <a:solidFill>
-              <a:srgbClr val="CCFFCC"/>
-            </a:solidFill>
-          </p:spPr>
-          <p:style>
-            <a:lnRef idx="1">
-              <a:schemeClr val="accent1"/>
-            </a:lnRef>
-            <a:fillRef idx="3">
-              <a:schemeClr val="accent1"/>
-            </a:fillRef>
-            <a:effectRef idx="2">
-              <a:schemeClr val="accent1"/>
-            </a:effectRef>
-            <a:fontRef idx="minor">
-              <a:schemeClr val="lt1"/>
-            </a:fontRef>
-          </p:style>
-          <p:txBody>
-            <a:bodyPr rtlCol="0" anchor="ctr"/>
-            <a:lstStyle/>
-            <a:p>
-              <a:pPr algn="ctr"/>
-              <a:r>
-                <a:rPr kumimoji="1" lang="en-US" altLang="zh-CN" sz="1200" dirty="0" smtClean="0">
-                  <a:solidFill>
-                    <a:srgbClr val="141414"/>
-                  </a:solidFill>
-                </a:rPr>
-                <a:t>Version 1</a:t>
-              </a:r>
-              <a:endParaRPr kumimoji="1" lang="zh-CN" altLang="en-US" sz="1200" dirty="0">
-                <a:solidFill>
-                  <a:srgbClr val="141414"/>
-                </a:solidFill>
-              </a:endParaRPr>
-            </a:p>
-          </p:txBody>
-        </p:sp>
-        <p:cxnSp>
-          <p:nvCxnSpPr>
-            <p:cNvPr id="19" name="直線接點 18"/>
-            <p:cNvCxnSpPr>
-              <a:stCxn id="17" idx="2"/>
-            </p:cNvCxnSpPr>
-            <p:nvPr/>
-          </p:nvCxnSpPr>
-          <p:spPr>
-            <a:xfrm>
-              <a:off x="6156176" y="4333684"/>
-              <a:ext cx="0" cy="149730"/>
-            </a:xfrm>
-            <a:prstGeom prst="line">
-              <a:avLst/>
-            </a:prstGeom>
-          </p:spPr>
-          <p:style>
-            <a:lnRef idx="2">
-              <a:schemeClr val="accent1"/>
-            </a:lnRef>
-            <a:fillRef idx="0">
-              <a:schemeClr val="accent1"/>
-            </a:fillRef>
-            <a:effectRef idx="1">
-              <a:schemeClr val="accent1"/>
-            </a:effectRef>
-            <a:fontRef idx="minor">
-              <a:schemeClr val="tx1"/>
-            </a:fontRef>
-          </p:style>
-        </p:cxnSp>
-        <p:sp>
-          <p:nvSpPr>
-            <p:cNvPr id="20" name="圓角矩形 19"/>
-            <p:cNvSpPr/>
-            <p:nvPr/>
-          </p:nvSpPr>
-          <p:spPr>
-            <a:xfrm>
-              <a:off x="5796136" y="3069818"/>
-              <a:ext cx="720080" cy="344055"/>
-            </a:xfrm>
-            <a:prstGeom prst="roundRect">
-              <a:avLst/>
-            </a:prstGeom>
-            <a:solidFill>
-              <a:schemeClr val="accent2">
-                <a:lumMod val="40000"/>
-                <a:lumOff val="60000"/>
-              </a:schemeClr>
-            </a:solidFill>
-          </p:spPr>
-          <p:style>
-            <a:lnRef idx="1">
-              <a:schemeClr val="accent1"/>
-            </a:lnRef>
-            <a:fillRef idx="3">
-              <a:schemeClr val="accent1"/>
-            </a:fillRef>
-            <a:effectRef idx="2">
-              <a:schemeClr val="accent1"/>
-            </a:effectRef>
-            <a:fontRef idx="minor">
-              <a:schemeClr val="lt1"/>
-            </a:fontRef>
-          </p:style>
-          <p:txBody>
-            <a:bodyPr rtlCol="0" anchor="ctr"/>
-            <a:lstStyle/>
-            <a:p>
-              <a:pPr algn="ctr"/>
-              <a:r>
-                <a:rPr kumimoji="1" lang="en-US" altLang="zh-CN" sz="1200" dirty="0" smtClean="0">
-                  <a:solidFill>
-                    <a:srgbClr val="141414"/>
-                  </a:solidFill>
-                </a:rPr>
-                <a:t>file</a:t>
-              </a:r>
-              <a:endParaRPr kumimoji="1" lang="zh-CN" altLang="en-US" sz="1200" dirty="0">
-                <a:solidFill>
-                  <a:srgbClr val="141414"/>
-                </a:solidFill>
-              </a:endParaRPr>
-            </a:p>
-          </p:txBody>
-        </p:sp>
-        <p:cxnSp>
-          <p:nvCxnSpPr>
-            <p:cNvPr id="22" name="直線箭頭接點 21"/>
-            <p:cNvCxnSpPr>
-              <a:stCxn id="20" idx="2"/>
-              <a:endCxn id="15" idx="0"/>
-            </p:cNvCxnSpPr>
-            <p:nvPr/>
-          </p:nvCxnSpPr>
-          <p:spPr>
-            <a:xfrm>
-              <a:off x="6156176" y="3413873"/>
-              <a:ext cx="4192" cy="150011"/>
-            </a:xfrm>
-            <a:prstGeom prst="straightConnector1">
-              <a:avLst/>
-            </a:prstGeom>
-            <a:ln>
-              <a:tailEnd type="arrow"/>
-            </a:ln>
-          </p:spPr>
-          <p:style>
-            <a:lnRef idx="2">
-              <a:schemeClr val="accent1"/>
-            </a:lnRef>
-            <a:fillRef idx="0">
-              <a:schemeClr val="accent1"/>
-            </a:fillRef>
-            <a:effectRef idx="1">
-              <a:schemeClr val="accent1"/>
-            </a:effectRef>
-            <a:fontRef idx="minor">
-              <a:schemeClr val="tx1"/>
-            </a:fontRef>
-          </p:style>
-        </p:cxnSp>
-      </p:grpSp>
-      <p:cxnSp>
-        <p:nvCxnSpPr>
-          <p:cNvPr id="25" name="直線箭頭接點 24"/>
-          <p:cNvCxnSpPr>
-            <a:endCxn id="3" idx="3"/>
-          </p:cNvCxnSpPr>
-          <p:nvPr/>
-        </p:nvCxnSpPr>
-        <p:spPr>
-          <a:xfrm flipH="1" flipV="1">
-            <a:off x="1979712" y="1834142"/>
-            <a:ext cx="864096" cy="482627"/>
-          </a:xfrm>
-          <a:prstGeom prst="straightConnector1">
-            <a:avLst/>
-          </a:prstGeom>
-          <a:ln>
-            <a:tailEnd type="arrow"/>
-          </a:ln>
-        </p:spPr>
-        <p:style>
-          <a:lnRef idx="2">
-            <a:schemeClr val="accent1"/>
-          </a:lnRef>
-          <a:fillRef idx="0">
-            <a:schemeClr val="accent1"/>
-          </a:fillRef>
-          <a:effectRef idx="1">
-            <a:schemeClr val="accent1"/>
-          </a:effectRef>
-          <a:fontRef idx="minor">
-            <a:schemeClr val="tx1"/>
-          </a:fontRef>
-        </p:style>
-      </p:cxnSp>
-      <p:sp>
-        <p:nvSpPr>
-          <p:cNvPr id="27" name="圓角矩形圖說文字 26"/>
-          <p:cNvSpPr/>
-          <p:nvPr/>
-        </p:nvSpPr>
-        <p:spPr>
-          <a:xfrm>
-            <a:off x="2411760" y="1170853"/>
-            <a:ext cx="936104" cy="648072"/>
-          </a:xfrm>
-          <a:prstGeom prst="wedgeRoundRectCallout">
-            <a:avLst>
-              <a:gd name="adj1" fmla="val -57174"/>
-              <a:gd name="adj2" fmla="val 74749"/>
-              <a:gd name="adj3" fmla="val 16667"/>
-            </a:avLst>
-          </a:prstGeom>
-          <a:solidFill>
-            <a:srgbClr val="FFFF00"/>
-          </a:solidFill>
-          <a:ln>
-            <a:noFill/>
-          </a:ln>
-        </p:spPr>
-        <p:style>
-          <a:lnRef idx="1">
-            <a:schemeClr val="accent1"/>
-          </a:lnRef>
-          <a:fillRef idx="3">
-            <a:schemeClr val="accent1"/>
-          </a:fillRef>
-          <a:effectRef idx="2">
-            <a:schemeClr val="accent1"/>
-          </a:effectRef>
-          <a:fontRef idx="minor">
-            <a:schemeClr val="lt1"/>
-          </a:fontRef>
-        </p:style>
-        <p:txBody>
-          <a:bodyPr rtlCol="0" anchor="ctr"/>
-          <a:lstStyle/>
-          <a:p>
-            <a:pPr algn="ctr"/>
-            <a:r>
-              <a:rPr kumimoji="1" lang="en-US" altLang="zh-CN" dirty="0" smtClean="0">
-                <a:solidFill>
-                  <a:srgbClr val="141414"/>
-                </a:solidFill>
-              </a:rPr>
-              <a:t>Push</a:t>
-            </a:r>
-          </a:p>
-          <a:p>
-            <a:pPr algn="ctr"/>
-            <a:r>
-              <a:rPr kumimoji="1" lang="zh-TW" altLang="en-US" dirty="0" smtClean="0">
-                <a:solidFill>
-                  <a:srgbClr val="141414"/>
-                </a:solidFill>
-              </a:rPr>
-              <a:t>推送</a:t>
-            </a:r>
-            <a:endParaRPr kumimoji="1" lang="zh-CN" altLang="en-US" dirty="0">
-              <a:solidFill>
-                <a:srgbClr val="141414"/>
-              </a:solidFill>
-            </a:endParaRPr>
-          </a:p>
-        </p:txBody>
-      </p:sp>
-      <p:sp>
-        <p:nvSpPr>
-          <p:cNvPr id="28" name="矩形 27"/>
-          <p:cNvSpPr/>
-          <p:nvPr/>
-        </p:nvSpPr>
-        <p:spPr>
-          <a:xfrm>
-            <a:off x="721557" y="5004261"/>
-            <a:ext cx="8125023" cy="369332"/>
-          </a:xfrm>
-          <a:prstGeom prst="rect">
-            <a:avLst/>
-          </a:prstGeom>
-        </p:spPr>
-        <p:txBody>
-          <a:bodyPr wrap="square">
-            <a:spAutoFit/>
-          </a:bodyPr>
-          <a:lstStyle/>
-          <a:p>
-            <a:pPr marL="285750" indent="-285750">
-              <a:buFont typeface="Arial"/>
-              <a:buChar char="•"/>
-            </a:pPr>
-            <a:r>
-              <a:rPr lang="zh-TW" altLang="en-US" dirty="0" smtClean="0">
-                <a:solidFill>
-                  <a:schemeClr val="bg1">
-                    <a:lumMod val="50000"/>
-                  </a:schemeClr>
-                </a:solidFill>
-              </a:rPr>
-              <a:t>Ｐ</a:t>
-            </a:r>
-            <a:r>
-              <a:rPr lang="en-US" altLang="zh-TW" dirty="0" smtClean="0">
-                <a:solidFill>
-                  <a:schemeClr val="bg1">
-                    <a:lumMod val="50000"/>
-                  </a:schemeClr>
-                </a:solidFill>
-              </a:rPr>
-              <a:t>C</a:t>
-            </a:r>
-            <a:r>
-              <a:rPr lang="zh-TW" altLang="en-US" dirty="0" smtClean="0">
-                <a:solidFill>
-                  <a:schemeClr val="bg1">
-                    <a:lumMod val="50000"/>
-                  </a:schemeClr>
-                </a:solidFill>
-              </a:rPr>
-              <a:t>更新過的檔案後一定時間送回遠端伺服器</a:t>
-            </a:r>
-            <a:r>
-              <a:rPr lang="en-US" altLang="zh-TW" dirty="0" smtClean="0">
-                <a:solidFill>
-                  <a:schemeClr val="bg1">
-                    <a:lumMod val="50000"/>
-                  </a:schemeClr>
-                </a:solidFill>
-              </a:rPr>
-              <a:t>,</a:t>
-            </a:r>
-            <a:r>
-              <a:rPr lang="zh-TW" altLang="en-US" dirty="0" smtClean="0">
-                <a:solidFill>
-                  <a:schemeClr val="bg1">
-                    <a:lumMod val="50000"/>
-                  </a:schemeClr>
-                </a:solidFill>
-              </a:rPr>
-              <a:t>要作的動作是</a:t>
-            </a:r>
-            <a:r>
-              <a:rPr lang="en-US" altLang="zh-TW" dirty="0" smtClean="0">
-                <a:solidFill>
-                  <a:schemeClr val="bg1">
-                    <a:lumMod val="50000"/>
-                  </a:schemeClr>
-                </a:solidFill>
-              </a:rPr>
-              <a:t>Push</a:t>
-            </a:r>
-          </a:p>
-        </p:txBody>
-      </p:sp>
-    </p:spTree>
-    <p:extLst>
-      <p:ext uri="{BB962C8B-B14F-4D97-AF65-F5344CB8AC3E}">
-        <p14:creationId xmlns:p14="http://schemas.microsoft.com/office/powerpoint/2010/main" val="3694002625"/>
       </p:ext>
     </p:extLst>
   </p:cSld>

--- a/版本控制.pptx
+++ b/版本控制.pptx
@@ -10961,7 +10961,7 @@
         </p:nvSpPr>
         <p:spPr>
           <a:xfrm>
-            <a:off x="1043608" y="2828836"/>
+            <a:off x="1060499" y="692696"/>
             <a:ext cx="7128792" cy="1754327"/>
           </a:xfrm>
           <a:prstGeom prst="rect">
@@ -11015,7 +11015,7 @@
               <a:t>案</a:t>
             </a:r>
             <a:r>
-              <a:rPr lang="en-US" altLang="zh-TW" smtClean="0"/>
+              <a:rPr lang="en-US" altLang="zh-TW" dirty="0" smtClean="0"/>
               <a:t>:</a:t>
             </a:r>
             <a:endParaRPr lang="en-US" altLang="zh-CN" dirty="0"/>
@@ -11033,6 +11033,159 @@
               <a:rPr lang="zh-CN" altLang="en-US" dirty="0"/>
               <a:t>下方，代表著這個檔案已被追蹤，而且位於工作目錄的該檔案已被修改，但尚未暫存。 要暫存該檔案</a:t>
             </a:r>
+          </a:p>
+        </p:txBody>
+      </p:sp>
+      <p:sp>
+        <p:nvSpPr>
+          <p:cNvPr id="3" name="矩形 2"/>
+          <p:cNvSpPr/>
+          <p:nvPr/>
+        </p:nvSpPr>
+        <p:spPr>
+          <a:xfrm>
+            <a:off x="1056398" y="2852936"/>
+            <a:ext cx="7255917" cy="3970318"/>
+          </a:xfrm>
+          <a:prstGeom prst="rect">
+            <a:avLst/>
+          </a:prstGeom>
+        </p:spPr>
+        <p:txBody>
+          <a:bodyPr wrap="square">
+            <a:spAutoFit/>
+          </a:bodyPr>
+          <a:lstStyle/>
+          <a:p>
+            <a:r>
+              <a:rPr lang="en-US" altLang="zh-CN" dirty="0"/>
+              <a:t>$ vim </a:t>
+            </a:r>
+            <a:r>
+              <a:rPr lang="en-US" altLang="zh-CN" dirty="0" err="1"/>
+              <a:t>benchmarks.rb</a:t>
+            </a:r>
+            <a:endParaRPr lang="en-US" altLang="zh-CN" dirty="0"/>
+          </a:p>
+          <a:p>
+            <a:r>
+              <a:rPr lang="en-US" altLang="zh-CN" dirty="0"/>
+              <a:t>$ </a:t>
+            </a:r>
+            <a:r>
+              <a:rPr lang="en-US" altLang="zh-CN" dirty="0" err="1"/>
+              <a:t>git</a:t>
+            </a:r>
+            <a:r>
+              <a:rPr lang="en-US" altLang="zh-CN" dirty="0"/>
+              <a:t> status</a:t>
+            </a:r>
+          </a:p>
+          <a:p>
+            <a:r>
+              <a:rPr lang="en-US" altLang="zh-CN" dirty="0"/>
+              <a:t>On branch master</a:t>
+            </a:r>
+          </a:p>
+          <a:p>
+            <a:r>
+              <a:rPr lang="en-US" altLang="zh-CN" dirty="0"/>
+              <a:t>Changes to be committed:</a:t>
+            </a:r>
+          </a:p>
+          <a:p>
+            <a:r>
+              <a:rPr lang="en-US" altLang="zh-CN" dirty="0"/>
+              <a:t>  (use "</a:t>
+            </a:r>
+            <a:r>
+              <a:rPr lang="en-US" altLang="zh-CN" dirty="0" err="1"/>
+              <a:t>git</a:t>
+            </a:r>
+            <a:r>
+              <a:rPr lang="en-US" altLang="zh-CN" dirty="0"/>
+              <a:t> reset HEAD &lt;file&gt;..." to </a:t>
+            </a:r>
+            <a:r>
+              <a:rPr lang="en-US" altLang="zh-CN" dirty="0" err="1"/>
+              <a:t>unstage</a:t>
+            </a:r>
+            <a:r>
+              <a:rPr lang="en-US" altLang="zh-CN" dirty="0"/>
+              <a:t>)</a:t>
+            </a:r>
+          </a:p>
+          <a:p>
+            <a:endParaRPr lang="en-US" altLang="zh-CN" dirty="0"/>
+          </a:p>
+          <a:p>
+            <a:r>
+              <a:rPr lang="en-US" altLang="zh-CN" dirty="0"/>
+              <a:t>        new file:   README</a:t>
+            </a:r>
+          </a:p>
+          <a:p>
+            <a:r>
+              <a:rPr lang="en-US" altLang="zh-CN" dirty="0"/>
+              <a:t>        modified:   </a:t>
+            </a:r>
+            <a:r>
+              <a:rPr lang="en-US" altLang="zh-CN" dirty="0" err="1"/>
+              <a:t>benchmarks.rb</a:t>
+            </a:r>
+            <a:endParaRPr lang="en-US" altLang="zh-CN" dirty="0"/>
+          </a:p>
+          <a:p>
+            <a:endParaRPr lang="en-US" altLang="zh-CN" dirty="0"/>
+          </a:p>
+          <a:p>
+            <a:r>
+              <a:rPr lang="en-US" altLang="zh-CN" dirty="0"/>
+              <a:t>Changes not staged for commit:</a:t>
+            </a:r>
+          </a:p>
+          <a:p>
+            <a:r>
+              <a:rPr lang="en-US" altLang="zh-CN" dirty="0"/>
+              <a:t>  (use "</a:t>
+            </a:r>
+            <a:r>
+              <a:rPr lang="en-US" altLang="zh-CN" dirty="0" err="1"/>
+              <a:t>git</a:t>
+            </a:r>
+            <a:r>
+              <a:rPr lang="en-US" altLang="zh-CN" dirty="0"/>
+              <a:t> add &lt;file&gt;..." to update what will be committed)</a:t>
+            </a:r>
+          </a:p>
+          <a:p>
+            <a:r>
+              <a:rPr lang="en-US" altLang="zh-CN" dirty="0"/>
+              <a:t>  (use "</a:t>
+            </a:r>
+            <a:r>
+              <a:rPr lang="en-US" altLang="zh-CN" dirty="0" err="1"/>
+              <a:t>git</a:t>
+            </a:r>
+            <a:r>
+              <a:rPr lang="en-US" altLang="zh-CN" dirty="0"/>
+              <a:t> checkout -- &lt;file&gt;..." to discard changes in working directory</a:t>
+            </a:r>
+            <a:r>
+              <a:rPr lang="en-US" altLang="zh-CN" dirty="0" smtClean="0"/>
+              <a:t>)</a:t>
+            </a:r>
+          </a:p>
+          <a:p>
+            <a:r>
+              <a:rPr lang="en-US" altLang="zh-CN" dirty="0"/>
+              <a:t>modified:   </a:t>
+            </a:r>
+            <a:r>
+              <a:rPr lang="en-US" altLang="zh-CN"/>
+              <a:t>benchmarks.rb</a:t>
+            </a:r>
+            <a:endParaRPr lang="zh-CN" altLang="en-US" dirty="0"/>
           </a:p>
         </p:txBody>
       </p:sp>

--- a/版本控制.pptx
+++ b/版本控制.pptx
@@ -9,10 +9,10 @@
     <p:sldMasterId id="2147483762" r:id="rId5"/>
   </p:sldMasterIdLst>
   <p:notesMasterIdLst>
-    <p:notesMasterId r:id="rId19"/>
+    <p:notesMasterId r:id="rId20"/>
   </p:notesMasterIdLst>
   <p:handoutMasterIdLst>
-    <p:handoutMasterId r:id="rId20"/>
+    <p:handoutMasterId r:id="rId21"/>
   </p:handoutMasterIdLst>
   <p:sldIdLst>
     <p:sldId id="565" r:id="rId6"/>
@@ -28,6 +28,7 @@
     <p:sldId id="689" r:id="rId16"/>
     <p:sldId id="694" r:id="rId17"/>
     <p:sldId id="695" r:id="rId18"/>
+    <p:sldId id="697" r:id="rId19"/>
   </p:sldIdLst>
   <p:sldSz cx="9144000" cy="6858000" type="screen4x3"/>
   <p:notesSz cx="6858000" cy="9144000"/>
@@ -11182,7 +11183,7 @@
               <a:t>modified:   </a:t>
             </a:r>
             <a:r>
-              <a:rPr lang="en-US" altLang="zh-CN"/>
+              <a:rPr lang="en-US" altLang="zh-CN" dirty="0" err="1"/>
               <a:t>benchmarks.rb</a:t>
             </a:r>
             <a:endParaRPr lang="zh-CN" altLang="en-US" dirty="0"/>
@@ -11193,6 +11194,143 @@
     <p:extLst>
       <p:ext uri="{BB962C8B-B14F-4D97-AF65-F5344CB8AC3E}">
         <p14:creationId xmlns:p14="http://schemas.microsoft.com/office/powerpoint/2010/main" val="4047198209"/>
+      </p:ext>
+    </p:extLst>
+  </p:cSld>
+  <p:clrMapOvr>
+    <a:masterClrMapping/>
+  </p:clrMapOvr>
+</p:sld>
+</file>
+
+<file path=ppt/slides/slide14.xml><?xml version="1.0" encoding="utf-8"?>
+<p:sld xmlns:a="http://schemas.openxmlformats.org/drawingml/2006/main" xmlns:r="http://schemas.openxmlformats.org/officeDocument/2006/relationships" xmlns:p="http://schemas.openxmlformats.org/presentationml/2006/main">
+  <p:cSld>
+    <p:spTree>
+      <p:nvGrpSpPr>
+        <p:cNvPr id="1" name=""/>
+        <p:cNvGrpSpPr/>
+        <p:nvPr/>
+      </p:nvGrpSpPr>
+      <p:grpSpPr>
+        <a:xfrm>
+          <a:off x="0" y="0"/>
+          <a:ext cx="0" cy="0"/>
+          <a:chOff x="0" y="0"/>
+          <a:chExt cx="0" cy="0"/>
+        </a:xfrm>
+      </p:grpSpPr>
+      <p:sp>
+        <p:nvSpPr>
+          <p:cNvPr id="2" name="矩形 1"/>
+          <p:cNvSpPr/>
+          <p:nvPr/>
+        </p:nvSpPr>
+        <p:spPr>
+          <a:xfrm>
+            <a:off x="1475656" y="1556792"/>
+            <a:ext cx="4429418" cy="2031325"/>
+          </a:xfrm>
+          <a:prstGeom prst="rect">
+            <a:avLst/>
+          </a:prstGeom>
+        </p:spPr>
+        <p:txBody>
+          <a:bodyPr wrap="none">
+            <a:spAutoFit/>
+          </a:bodyPr>
+          <a:lstStyle/>
+          <a:p>
+            <a:r>
+              <a:rPr lang="en-US" altLang="zh-CN" dirty="0" err="1"/>
+              <a:t>g</a:t>
+            </a:r>
+            <a:r>
+              <a:rPr lang="en-US" altLang="zh-CN" dirty="0" err="1" smtClean="0"/>
+              <a:t>it</a:t>
+            </a:r>
+            <a:r>
+              <a:rPr lang="en-US" altLang="zh-CN" dirty="0" smtClean="0"/>
+              <a:t> </a:t>
+            </a:r>
+            <a:r>
+              <a:rPr lang="en-US" altLang="zh-CN" dirty="0" err="1" smtClean="0"/>
+              <a:t>init</a:t>
+            </a:r>
+            <a:endParaRPr lang="en-US" altLang="zh-CN" dirty="0" smtClean="0"/>
+          </a:p>
+          <a:p>
+            <a:r>
+              <a:rPr lang="en-US" altLang="zh-CN" dirty="0" err="1" smtClean="0"/>
+              <a:t>git</a:t>
+            </a:r>
+            <a:r>
+              <a:rPr lang="en-US" altLang="zh-CN" dirty="0" smtClean="0"/>
+              <a:t> add *</a:t>
+            </a:r>
+          </a:p>
+          <a:p>
+            <a:r>
+              <a:rPr lang="en-US" altLang="zh-CN" dirty="0" err="1" smtClean="0"/>
+              <a:t>git</a:t>
+            </a:r>
+            <a:r>
+              <a:rPr lang="en-US" altLang="zh-CN" dirty="0" smtClean="0"/>
+              <a:t> commit –m “</a:t>
+            </a:r>
+            <a:r>
+              <a:rPr lang="en-US" altLang="zh-CN" dirty="0" err="1" smtClean="0"/>
+              <a:t>inof</a:t>
+            </a:r>
+            <a:r>
+              <a:rPr lang="en-US" altLang="zh-CN" dirty="0" smtClean="0"/>
+              <a:t>”</a:t>
+            </a:r>
+          </a:p>
+          <a:p>
+            <a:r>
+              <a:rPr lang="en-US" altLang="zh-CN" dirty="0" err="1" smtClean="0"/>
+              <a:t>git</a:t>
+            </a:r>
+            <a:r>
+              <a:rPr lang="en-US" altLang="zh-CN" dirty="0" smtClean="0"/>
+              <a:t> push </a:t>
+            </a:r>
+          </a:p>
+          <a:p>
+            <a:endParaRPr lang="en-US" altLang="zh-CN" dirty="0" smtClean="0"/>
+          </a:p>
+          <a:p>
+            <a:endParaRPr lang="en-US" altLang="zh-CN" dirty="0"/>
+          </a:p>
+          <a:p>
+            <a:r>
+              <a:rPr lang="zh-CN" altLang="en-US" dirty="0" smtClean="0"/>
+              <a:t>在</a:t>
+            </a:r>
+            <a:r>
+              <a:rPr lang="en-US" altLang="zh-CN" dirty="0" smtClean="0"/>
+              <a:t>commit</a:t>
+            </a:r>
+            <a:r>
+              <a:rPr lang="zh-CN" altLang="en-US" dirty="0"/>
+              <a:t>命令後方以</a:t>
+            </a:r>
+            <a:r>
+              <a:rPr lang="en-US" altLang="zh-CN" dirty="0"/>
+              <a:t>-m</a:t>
+            </a:r>
+            <a:r>
+              <a:rPr lang="zh-CN" altLang="en-US" dirty="0"/>
+              <a:t>參數指定提交訊息</a:t>
+            </a:r>
+          </a:p>
+        </p:txBody>
+      </p:sp>
+    </p:spTree>
+    <p:extLst>
+      <p:ext uri="{BB962C8B-B14F-4D97-AF65-F5344CB8AC3E}">
+        <p14:creationId xmlns:p14="http://schemas.microsoft.com/office/powerpoint/2010/main" val="4278556654"/>
       </p:ext>
     </p:extLst>
   </p:cSld>

--- a/版本控制.pptx
+++ b/版本控制.pptx
@@ -11228,8 +11228,8 @@
         </p:nvSpPr>
         <p:spPr>
           <a:xfrm>
-            <a:off x="1475656" y="1556792"/>
-            <a:ext cx="4429418" cy="2031325"/>
+            <a:off x="434975" y="1412776"/>
+            <a:ext cx="8533068" cy="2308324"/>
           </a:xfrm>
           <a:prstGeom prst="rect">
             <a:avLst/>
@@ -11301,6 +11301,65 @@
             <a:endParaRPr lang="en-US" altLang="zh-CN" dirty="0" smtClean="0"/>
           </a:p>
           <a:p>
+            <a:r>
+              <a:rPr lang="zh-TW" altLang="en-US" dirty="0"/>
+              <a:t>在</a:t>
+            </a:r>
+            <a:r>
+              <a:rPr lang="en-US" altLang="zh-TW" dirty="0" err="1"/>
+              <a:t>git</a:t>
+            </a:r>
+            <a:r>
+              <a:rPr lang="en-US" altLang="zh-TW" dirty="0"/>
+              <a:t> commit</a:t>
+            </a:r>
+            <a:r>
+              <a:rPr lang="zh-TW" altLang="en-US" dirty="0"/>
+              <a:t>命令後方加上</a:t>
+            </a:r>
+            <a:r>
+              <a:rPr lang="en-US" altLang="zh-TW" dirty="0"/>
+              <a:t>-a</a:t>
+            </a:r>
+            <a:r>
+              <a:rPr lang="zh-TW" altLang="en-US" dirty="0"/>
+              <a:t>參數，</a:t>
+            </a:r>
+            <a:r>
+              <a:rPr lang="en-US" altLang="zh-TW" dirty="0" err="1"/>
+              <a:t>Git</a:t>
+            </a:r>
+            <a:r>
+              <a:rPr lang="zh-TW" altLang="en-US" dirty="0"/>
+              <a:t>自動將</a:t>
+            </a:r>
+            <a:r>
+              <a:rPr lang="zh-TW" altLang="en-US" dirty="0" smtClean="0"/>
+              <a:t>所有</a:t>
+            </a:r>
+            <a:endParaRPr lang="en-US" altLang="zh-TW" dirty="0" smtClean="0"/>
+          </a:p>
+          <a:p>
+            <a:r>
+              <a:rPr lang="zh-TW" altLang="en-US" dirty="0" smtClean="0"/>
+              <a:t>已被追蹤且被修改</a:t>
+            </a:r>
+            <a:r>
+              <a:rPr lang="zh-TW" altLang="en-US" dirty="0"/>
+              <a:t>的檔案送到暫存區域並開始提交程序，讓讀者略過</a:t>
+            </a:r>
+            <a:r>
+              <a:rPr lang="en-US" altLang="zh-TW" dirty="0" err="1"/>
+              <a:t>git</a:t>
+            </a:r>
+            <a:r>
+              <a:rPr lang="en-US" altLang="zh-TW" dirty="0"/>
+              <a:t> add</a:t>
+            </a:r>
+            <a:r>
+              <a:rPr lang="zh-TW" altLang="en-US" dirty="0"/>
+              <a:t>的步驟：</a:t>
+            </a:r>
             <a:endParaRPr lang="en-US" altLang="zh-CN" dirty="0"/>
           </a:p>
           <a:p>

--- a/版本控制.pptx
+++ b/版本控制.pptx
@@ -11229,7 +11229,7 @@
         <p:spPr>
           <a:xfrm>
             <a:off x="434975" y="1412776"/>
-            <a:ext cx="8533068" cy="2308324"/>
+            <a:ext cx="8533068" cy="2862323"/>
           </a:xfrm>
           <a:prstGeom prst="rect">
             <a:avLst/>
@@ -11276,16 +11276,13 @@
             </a:r>
             <a:r>
               <a:rPr lang="en-US" altLang="zh-CN" dirty="0" smtClean="0"/>
-              <a:t> commit –m “</a:t>
-            </a:r>
-            <a:r>
-              <a:rPr lang="en-US" altLang="zh-CN" dirty="0" err="1" smtClean="0"/>
-              <a:t>inof</a:t>
-            </a:r>
-            <a:r>
-              <a:rPr lang="en-US" altLang="zh-CN" dirty="0" smtClean="0"/>
-              <a:t>”</a:t>
-            </a:r>
+              <a:t> commit –m </a:t>
+            </a:r>
+            <a:r>
+              <a:rPr lang="en-US" altLang="zh-CN" smtClean="0"/>
+              <a:t>“info”</a:t>
+            </a:r>
+            <a:endParaRPr lang="en-US" altLang="zh-CN" dirty="0" smtClean="0"/>
           </a:p>
           <a:p>
             <a:r>
@@ -11381,8 +11378,27 @@
             </a:r>
             <a:r>
               <a:rPr lang="zh-CN" altLang="en-US" dirty="0"/>
-              <a:t>參數指定提交訊息</a:t>
-            </a:r>
+              <a:t>參數指定提交訊</a:t>
+            </a:r>
+            <a:r>
+              <a:rPr lang="zh-CN" altLang="en-US" dirty="0" smtClean="0"/>
+              <a:t>息</a:t>
+            </a:r>
+            <a:endParaRPr lang="en-US" altLang="zh-CN" dirty="0" smtClean="0"/>
+          </a:p>
+          <a:p>
+            <a:endParaRPr lang="en-US" altLang="zh-CN" dirty="0"/>
+          </a:p>
+          <a:p>
+            <a:r>
+              <a:rPr lang="en-US" altLang="zh-CN" dirty="0" err="1" smtClean="0"/>
+              <a:t>git</a:t>
+            </a:r>
+            <a:r>
+              <a:rPr lang="en-US" altLang="zh-CN" dirty="0" smtClean="0"/>
+              <a:t> commit –a –m “info”</a:t>
+            </a:r>
+            <a:endParaRPr lang="zh-CN" altLang="en-US" dirty="0"/>
           </a:p>
         </p:txBody>
       </p:sp>

--- a/版本控制.pptx
+++ b/版本控制.pptx
@@ -11229,7 +11229,7 @@
         <p:spPr>
           <a:xfrm>
             <a:off x="434975" y="1412776"/>
-            <a:ext cx="8533068" cy="2862323"/>
+            <a:ext cx="8686354" cy="3693319"/>
           </a:xfrm>
           <a:prstGeom prst="rect">
             <a:avLst/>
@@ -11276,13 +11276,37 @@
             </a:r>
             <a:r>
               <a:rPr lang="en-US" altLang="zh-CN" dirty="0" smtClean="0"/>
-              <a:t> commit –m </a:t>
-            </a:r>
-            <a:r>
-              <a:rPr lang="en-US" altLang="zh-CN" smtClean="0"/>
-              <a:t>“info”</a:t>
-            </a:r>
-            <a:endParaRPr lang="en-US" altLang="zh-CN" dirty="0" smtClean="0"/>
+              <a:t> commit –m “info” (</a:t>
+            </a:r>
+            <a:r>
+              <a:rPr lang="zh-CN" altLang="en-US" dirty="0" smtClean="0"/>
+              <a:t>在</a:t>
+            </a:r>
+            <a:r>
+              <a:rPr lang="en-US" altLang="zh-CN" dirty="0" smtClean="0"/>
+              <a:t>commit</a:t>
+            </a:r>
+            <a:r>
+              <a:rPr lang="zh-CN" altLang="en-US" dirty="0"/>
+              <a:t>命令後方以</a:t>
+            </a:r>
+            <a:r>
+              <a:rPr lang="en-US" altLang="zh-CN" dirty="0"/>
+              <a:t>-m</a:t>
+            </a:r>
+            <a:r>
+              <a:rPr lang="zh-CN" altLang="en-US" dirty="0"/>
+              <a:t>參數指定提交訊</a:t>
+            </a:r>
+            <a:r>
+              <a:rPr lang="zh-CN" altLang="en-US" dirty="0" smtClean="0"/>
+              <a:t>息</a:t>
+            </a:r>
+            <a:r>
+              <a:rPr lang="en-US" altLang="zh-CN" dirty="0" smtClean="0"/>
+              <a:t>)</a:t>
+            </a:r>
+            <a:endParaRPr lang="en-US" altLang="zh-CN" dirty="0"/>
           </a:p>
           <a:p>
             <a:r>
@@ -11299,7 +11323,30 @@
           </a:p>
           <a:p>
             <a:r>
-              <a:rPr lang="zh-TW" altLang="en-US" dirty="0"/>
+              <a:rPr lang="en-US" altLang="zh-TW" dirty="0" err="1" smtClean="0"/>
+              <a:t>git</a:t>
+            </a:r>
+            <a:r>
+              <a:rPr lang="en-US" altLang="zh-TW" dirty="0" smtClean="0"/>
+              <a:t> commit –a </a:t>
+            </a:r>
+            <a:r>
+              <a:rPr lang="zh-TW" altLang="en-US" dirty="0" smtClean="0"/>
+              <a:t>跳過暫存區域</a:t>
+            </a:r>
+            <a:r>
+              <a:rPr lang="en-US" altLang="zh-TW" dirty="0" smtClean="0"/>
+              <a:t>: (</a:t>
+            </a:r>
+            <a:r>
+              <a:rPr lang="zh-TW" altLang="en-US" dirty="0" smtClean="0"/>
+              <a:t>限定已追蹤檔案）</a:t>
+            </a:r>
+            <a:endParaRPr lang="en-US" altLang="zh-TW" dirty="0"/>
+          </a:p>
+          <a:p>
+            <a:r>
+              <a:rPr lang="zh-TW" altLang="en-US" dirty="0" smtClean="0"/>
               <a:t>在</a:t>
             </a:r>
             <a:r>
@@ -11338,7 +11385,11 @@
           </a:p>
           <a:p>
             <a:r>
-              <a:rPr lang="zh-TW" altLang="en-US" dirty="0" smtClean="0"/>
+              <a:rPr lang="zh-TW" altLang="en-US" dirty="0" smtClean="0">
+                <a:solidFill>
+                  <a:srgbClr val="FF0000"/>
+                </a:solidFill>
+              </a:rPr>
               <a:t>已被追蹤且被修改</a:t>
             </a:r>
             <a:r>
@@ -11360,34 +11411,7 @@
             <a:endParaRPr lang="en-US" altLang="zh-CN" dirty="0"/>
           </a:p>
           <a:p>
-            <a:r>
-              <a:rPr lang="zh-CN" altLang="en-US" dirty="0" smtClean="0"/>
-              <a:t>在</a:t>
-            </a:r>
-            <a:r>
-              <a:rPr lang="en-US" altLang="zh-CN" dirty="0" smtClean="0"/>
-              <a:t>commit</a:t>
-            </a:r>
-            <a:r>
-              <a:rPr lang="zh-CN" altLang="en-US" dirty="0"/>
-              <a:t>命令後方以</a:t>
-            </a:r>
-            <a:r>
-              <a:rPr lang="en-US" altLang="zh-CN" dirty="0"/>
-              <a:t>-m</a:t>
-            </a:r>
-            <a:r>
-              <a:rPr lang="zh-CN" altLang="en-US" dirty="0"/>
-              <a:t>參數指定提交訊</a:t>
-            </a:r>
-            <a:r>
-              <a:rPr lang="zh-CN" altLang="en-US" dirty="0" smtClean="0"/>
-              <a:t>息</a:t>
-            </a:r>
             <a:endParaRPr lang="en-US" altLang="zh-CN" dirty="0" smtClean="0"/>
-          </a:p>
-          <a:p>
-            <a:endParaRPr lang="en-US" altLang="zh-CN" dirty="0"/>
           </a:p>
           <a:p>
             <a:r>
@@ -11396,7 +11420,72 @@
             </a:r>
             <a:r>
               <a:rPr lang="en-US" altLang="zh-CN" dirty="0" smtClean="0"/>
-              <a:t> commit –a –m “info”</a:t>
+              <a:t> </a:t>
+            </a:r>
+            <a:r>
+              <a:rPr lang="en-US" altLang="zh-CN" dirty="0" err="1" smtClean="0"/>
+              <a:t>rm</a:t>
+            </a:r>
+            <a:r>
+              <a:rPr lang="en-US" altLang="zh-CN" dirty="0" smtClean="0"/>
+              <a:t> file  (t</a:t>
+            </a:r>
+            <a:r>
+              <a:rPr lang="zh-TW" altLang="en-US" smtClean="0"/>
+              <a:t>從記錄刪除無髮復原）</a:t>
+            </a:r>
+            <a:endParaRPr lang="en-US" altLang="zh-CN" dirty="0" smtClean="0"/>
+          </a:p>
+          <a:p>
+            <a:r>
+              <a:rPr lang="en-US" altLang="zh-CN" dirty="0" err="1" smtClean="0"/>
+              <a:t>git</a:t>
+            </a:r>
+            <a:r>
+              <a:rPr lang="en-US" altLang="zh-CN" dirty="0" smtClean="0"/>
+              <a:t> </a:t>
+            </a:r>
+            <a:r>
+              <a:rPr lang="en-US" altLang="zh-CN" dirty="0" err="1" smtClean="0"/>
+              <a:t>rm</a:t>
+            </a:r>
+            <a:r>
+              <a:rPr lang="en-US" altLang="zh-CN" dirty="0" smtClean="0"/>
+              <a:t> file -f</a:t>
+            </a:r>
+            <a:endParaRPr lang="en-US" altLang="zh-CN" dirty="0"/>
+          </a:p>
+          <a:p>
+            <a:r>
+              <a:rPr lang="zh-TW" altLang="en-US" dirty="0"/>
+              <a:t>若已更動過該檔案且將它記錄到暫存區域。 必須使用</a:t>
+            </a:r>
+            <a:r>
+              <a:rPr lang="en-US" altLang="zh-TW" dirty="0"/>
+              <a:t>-f</a:t>
+            </a:r>
+            <a:r>
+              <a:rPr lang="zh-TW" altLang="en-US" dirty="0" smtClean="0"/>
+              <a:t>參數才能將它強制移除</a:t>
+            </a:r>
+            <a:endParaRPr lang="en-US" altLang="zh-TW" dirty="0" smtClean="0"/>
+          </a:p>
+          <a:p>
+            <a:r>
+              <a:rPr lang="zh-TW" altLang="en-US" dirty="0" smtClean="0"/>
+              <a:t>。這是為了避免已被記錄</a:t>
+            </a:r>
+            <a:r>
+              <a:rPr lang="zh-TW" altLang="en-US" dirty="0"/>
+              <a:t>的快照意外被移除且再也無法使用</a:t>
+            </a:r>
+            <a:r>
+              <a:rPr lang="en-US" altLang="zh-TW" dirty="0" err="1"/>
+              <a:t>Git</a:t>
+            </a:r>
+            <a:r>
+              <a:rPr lang="zh-TW" altLang="en-US" dirty="0"/>
+              <a:t>復原</a:t>
             </a:r>
             <a:endParaRPr lang="zh-CN" altLang="en-US" dirty="0"/>
           </a:p>

--- a/版本控制.pptx
+++ b/版本控制.pptx
@@ -9,10 +9,10 @@
     <p:sldMasterId id="2147483762" r:id="rId5"/>
   </p:sldMasterIdLst>
   <p:notesMasterIdLst>
-    <p:notesMasterId r:id="rId20"/>
+    <p:notesMasterId r:id="rId21"/>
   </p:notesMasterIdLst>
   <p:handoutMasterIdLst>
-    <p:handoutMasterId r:id="rId21"/>
+    <p:handoutMasterId r:id="rId22"/>
   </p:handoutMasterIdLst>
   <p:sldIdLst>
     <p:sldId id="565" r:id="rId6"/>
@@ -29,6 +29,7 @@
     <p:sldId id="694" r:id="rId17"/>
     <p:sldId id="695" r:id="rId18"/>
     <p:sldId id="697" r:id="rId19"/>
+    <p:sldId id="698" r:id="rId20"/>
   </p:sldIdLst>
   <p:sldSz cx="9144000" cy="6858000" type="screen4x3"/>
   <p:notesSz cx="6858000" cy="9144000"/>
@@ -11229,7 +11230,7 @@
         <p:spPr>
           <a:xfrm>
             <a:off x="434975" y="1412776"/>
-            <a:ext cx="8686354" cy="3693319"/>
+            <a:ext cx="8686354" cy="5355313"/>
           </a:xfrm>
           <a:prstGeom prst="rect">
             <a:avLst/>
@@ -11431,7 +11432,7 @@
               <a:t> file  (t</a:t>
             </a:r>
             <a:r>
-              <a:rPr lang="zh-TW" altLang="en-US" smtClean="0"/>
+              <a:rPr lang="zh-TW" altLang="en-US" dirty="0" smtClean="0"/>
               <a:t>從記錄刪除無髮復原）</a:t>
             </a:r>
             <a:endParaRPr lang="en-US" altLang="zh-CN" dirty="0" smtClean="0"/>
@@ -11484,8 +11485,102 @@
               <a:t>Git</a:t>
             </a:r>
             <a:r>
+              <a:rPr lang="zh-TW" altLang="en-US" dirty="0" smtClean="0"/>
+              <a:t>復原</a:t>
+            </a:r>
+            <a:endParaRPr lang="en-US" altLang="zh-TW" dirty="0" smtClean="0"/>
+          </a:p>
+          <a:p>
+            <a:endParaRPr lang="en-US" altLang="zh-CN" dirty="0"/>
+          </a:p>
+          <a:p>
+            <a:endParaRPr lang="zh-TW" altLang="en-US" dirty="0"/>
+          </a:p>
+          <a:p>
+            <a:r>
               <a:rPr lang="zh-TW" altLang="en-US" dirty="0"/>
-              <a:t>復原</a:t>
+              <a:t> </a:t>
+            </a:r>
+            <a:r>
+              <a:rPr lang="zh-TW" altLang="en-US" dirty="0" smtClean="0"/>
+              <a:t>欲</a:t>
+            </a:r>
+            <a:r>
+              <a:rPr lang="zh-TW" altLang="en-US" dirty="0"/>
+              <a:t>瞭解目前已加進來的遠端儲存庫，可執行 </a:t>
+            </a:r>
+            <a:r>
+              <a:rPr lang="en-US" altLang="zh-TW" dirty="0" err="1"/>
+              <a:t>git</a:t>
+            </a:r>
+            <a:r>
+              <a:rPr lang="en-US" altLang="zh-TW" dirty="0"/>
+              <a:t> remote </a:t>
+            </a:r>
+            <a:r>
+              <a:rPr lang="zh-TW" altLang="en-US" dirty="0"/>
+              <a:t>命令。 </a:t>
+            </a:r>
+            <a:endParaRPr lang="en-US" altLang="zh-TW" dirty="0" smtClean="0"/>
+          </a:p>
+          <a:p>
+            <a:r>
+              <a:rPr lang="zh-TW" altLang="en-US" dirty="0" smtClean="0"/>
+              <a:t>它會列出當初加入遠端儲存庫</a:t>
+            </a:r>
+            <a:r>
+              <a:rPr lang="zh-TW" altLang="en-US" dirty="0"/>
+              <a:t>時指定的名稱。 </a:t>
+            </a:r>
+            <a:endParaRPr lang="en-US" altLang="zh-TW" dirty="0" smtClean="0"/>
+          </a:p>
+          <a:p>
+            <a:r>
+              <a:rPr lang="zh-TW" altLang="en-US" dirty="0" smtClean="0"/>
+              <a:t>若目</a:t>
+            </a:r>
+            <a:r>
+              <a:rPr lang="zh-TW" altLang="en-US" dirty="0"/>
+              <a:t>前所在儲存庫是從其它儲存庫複製過來的</a:t>
+            </a:r>
+            <a:r>
+              <a:rPr lang="zh-TW" altLang="en-US" dirty="0" smtClean="0"/>
+              <a:t>，</a:t>
+            </a:r>
+            <a:endParaRPr lang="en-US" altLang="zh-TW" dirty="0" smtClean="0"/>
+          </a:p>
+          <a:p>
+            <a:r>
+              <a:rPr lang="zh-TW" altLang="en-US" dirty="0" smtClean="0"/>
+              <a:t>至少應該</a:t>
+            </a:r>
+            <a:r>
+              <a:rPr lang="zh-TW" altLang="en-US" dirty="0"/>
+              <a:t>看到 </a:t>
+            </a:r>
+            <a:r>
+              <a:rPr lang="en-US" altLang="zh-TW" dirty="0"/>
+              <a:t>origin</a:t>
+            </a:r>
+            <a:r>
+              <a:rPr lang="zh-TW" altLang="en-US" dirty="0"/>
+              <a:t>，也就是 </a:t>
+            </a:r>
+            <a:r>
+              <a:rPr lang="en-US" altLang="zh-TW" dirty="0" err="1"/>
+              <a:t>Git</a:t>
+            </a:r>
+            <a:r>
+              <a:rPr lang="en-US" altLang="zh-TW" dirty="0"/>
+              <a:t> </a:t>
+            </a:r>
+            <a:r>
+              <a:rPr lang="zh-TW" altLang="en-US" dirty="0" smtClean="0"/>
+              <a:t>複製儲存庫時預設名</a:t>
+            </a:r>
+            <a:r>
+              <a:rPr lang="zh-TW" altLang="en-US" dirty="0" smtClean="0"/>
+              <a:t>稱</a:t>
             </a:r>
             <a:endParaRPr lang="zh-CN" altLang="en-US" dirty="0"/>
           </a:p>
@@ -11495,6 +11590,142 @@
     <p:extLst>
       <p:ext uri="{BB962C8B-B14F-4D97-AF65-F5344CB8AC3E}">
         <p14:creationId xmlns:p14="http://schemas.microsoft.com/office/powerpoint/2010/main" val="4278556654"/>
+      </p:ext>
+    </p:extLst>
+  </p:cSld>
+  <p:clrMapOvr>
+    <a:masterClrMapping/>
+  </p:clrMapOvr>
+</p:sld>
+</file>
+
+<file path=ppt/slides/slide15.xml><?xml version="1.0" encoding="utf-8"?>
+<p:sld xmlns:a="http://schemas.openxmlformats.org/drawingml/2006/main" xmlns:r="http://schemas.openxmlformats.org/officeDocument/2006/relationships" xmlns:p="http://schemas.openxmlformats.org/presentationml/2006/main">
+  <p:cSld>
+    <p:spTree>
+      <p:nvGrpSpPr>
+        <p:cNvPr id="1" name=""/>
+        <p:cNvGrpSpPr/>
+        <p:nvPr/>
+      </p:nvGrpSpPr>
+      <p:grpSpPr>
+        <a:xfrm>
+          <a:off x="0" y="0"/>
+          <a:ext cx="0" cy="0"/>
+          <a:chOff x="0" y="0"/>
+          <a:chExt cx="0" cy="0"/>
+        </a:xfrm>
+      </p:grpSpPr>
+      <p:sp>
+        <p:nvSpPr>
+          <p:cNvPr id="2" name="矩形 1"/>
+          <p:cNvSpPr/>
+          <p:nvPr/>
+        </p:nvSpPr>
+        <p:spPr>
+          <a:xfrm>
+            <a:off x="899592" y="548680"/>
+            <a:ext cx="7344816" cy="1754327"/>
+          </a:xfrm>
+          <a:prstGeom prst="rect">
+            <a:avLst/>
+          </a:prstGeom>
+        </p:spPr>
+        <p:txBody>
+          <a:bodyPr wrap="square">
+            <a:spAutoFit/>
+          </a:bodyPr>
+          <a:lstStyle/>
+          <a:p>
+            <a:r>
+              <a:rPr lang="zh-CN" altLang="en-US" dirty="0"/>
+              <a:t> </a:t>
+            </a:r>
+            <a:r>
+              <a:rPr lang="zh-CN" altLang="en-US" dirty="0" smtClean="0"/>
+              <a:t>新增遠端儲存庫</a:t>
+            </a:r>
+            <a:r>
+              <a:rPr lang="en-US" altLang="zh-CN" dirty="0" smtClean="0"/>
+              <a:t>:</a:t>
+            </a:r>
+            <a:r>
+              <a:rPr lang="en-US" altLang="zh-CN" dirty="0" err="1" smtClean="0"/>
+              <a:t>git</a:t>
+            </a:r>
+            <a:r>
+              <a:rPr lang="en-US" altLang="zh-CN" dirty="0" smtClean="0"/>
+              <a:t> </a:t>
+            </a:r>
+            <a:r>
+              <a:rPr lang="en-US" altLang="zh-CN" dirty="0"/>
+              <a:t>remote add [</a:t>
+            </a:r>
+            <a:r>
+              <a:rPr lang="en-US" altLang="zh-CN" dirty="0" err="1"/>
+              <a:t>shortname</a:t>
+            </a:r>
+            <a:r>
+              <a:rPr lang="en-US" altLang="zh-CN" dirty="0"/>
+              <a:t>] [</a:t>
+            </a:r>
+            <a:r>
+              <a:rPr lang="en-US" altLang="zh-CN" dirty="0" err="1"/>
+              <a:t>url</a:t>
+            </a:r>
+            <a:r>
+              <a:rPr lang="en-US" altLang="zh-CN" dirty="0" smtClean="0"/>
+              <a:t>]</a:t>
+            </a:r>
+          </a:p>
+          <a:p>
+            <a:endParaRPr lang="en-US" altLang="zh-CN" dirty="0"/>
+          </a:p>
+          <a:p>
+            <a:r>
+              <a:rPr lang="zh-TW" altLang="en-US" dirty="0"/>
+              <a:t>若複製了一個儲存庫，會自動將該遠端儲存庫命令為 </a:t>
+            </a:r>
+            <a:r>
+              <a:rPr lang="en-US" altLang="zh-TW" dirty="0" smtClean="0"/>
+              <a:t>origin</a:t>
+            </a:r>
+          </a:p>
+          <a:p>
+            <a:endParaRPr lang="en-US" altLang="zh-CN" dirty="0"/>
+          </a:p>
+          <a:p>
+            <a:r>
+              <a:rPr lang="zh-TW" altLang="en-US" dirty="0"/>
+              <a:t> </a:t>
+            </a:r>
+            <a:r>
+              <a:rPr lang="zh-TW" altLang="en-US" dirty="0" smtClean="0"/>
+              <a:t>上傳到遠端儲存庫</a:t>
+            </a:r>
+            <a:r>
+              <a:rPr lang="en-US" altLang="zh-TW" dirty="0"/>
+              <a:t>: </a:t>
+            </a:r>
+            <a:r>
+              <a:rPr lang="en-US" altLang="zh-TW" dirty="0" err="1"/>
+              <a:t>git</a:t>
+            </a:r>
+            <a:r>
+              <a:rPr lang="en-US" altLang="zh-TW" dirty="0"/>
+              <a:t> push [remote-name] [branch-name]</a:t>
+            </a:r>
+            <a:endParaRPr lang="en-US" altLang="zh-CN" dirty="0" smtClean="0"/>
+          </a:p>
+          <a:p>
+            <a:endParaRPr lang="zh-CN" altLang="en-US" dirty="0"/>
+          </a:p>
+        </p:txBody>
+      </p:sp>
+    </p:spTree>
+    <p:extLst>
+      <p:ext uri="{BB962C8B-B14F-4D97-AF65-F5344CB8AC3E}">
+        <p14:creationId xmlns:p14="http://schemas.microsoft.com/office/powerpoint/2010/main" val="2822327253"/>
       </p:ext>
     </p:extLst>
   </p:cSld>

--- a/版本控制.pptx
+++ b/版本控制.pptx
@@ -9,10 +9,10 @@
     <p:sldMasterId id="2147483762" r:id="rId5"/>
   </p:sldMasterIdLst>
   <p:notesMasterIdLst>
-    <p:notesMasterId r:id="rId21"/>
+    <p:notesMasterId r:id="rId23"/>
   </p:notesMasterIdLst>
   <p:handoutMasterIdLst>
-    <p:handoutMasterId r:id="rId22"/>
+    <p:handoutMasterId r:id="rId24"/>
   </p:handoutMasterIdLst>
   <p:sldIdLst>
     <p:sldId id="565" r:id="rId6"/>
@@ -30,6 +30,8 @@
     <p:sldId id="695" r:id="rId18"/>
     <p:sldId id="697" r:id="rId19"/>
     <p:sldId id="698" r:id="rId20"/>
+    <p:sldId id="699" r:id="rId21"/>
+    <p:sldId id="700" r:id="rId22"/>
   </p:sldIdLst>
   <p:sldSz cx="9144000" cy="6858000" type="screen4x3"/>
   <p:notesSz cx="6858000" cy="9144000"/>
@@ -213,7 +215,7 @@
           <a:p>
             <a:fld id="{9E2B162B-8AF9-D04D-85CA-E08727D58837}" type="datetimeFigureOut">
               <a:rPr kumimoji="1" lang="zh-TW" altLang="en-US" smtClean="0"/>
-              <a:t>16/11/13</a:t>
+              <a:t>16/11/14</a:t>
             </a:fld>
             <a:endParaRPr kumimoji="1" lang="zh-CN" altLang="en-US"/>
           </a:p>
@@ -380,7 +382,7 @@
             <a:fld id="{E50A09AA-B9AD-4F35-9387-0FB810A1DF26}" type="datetimeFigureOut">
               <a:rPr lang="zh-TW" altLang="en-US" smtClean="0"/>
               <a:pPr/>
-              <a:t>16/11/13</a:t>
+              <a:t>16/11/14</a:t>
             </a:fld>
             <a:endParaRPr lang="zh-TW" altLang="en-US"/>
           </a:p>
@@ -11576,11 +11578,7 @@
             </a:r>
             <a:r>
               <a:rPr lang="zh-TW" altLang="en-US" dirty="0" smtClean="0"/>
-              <a:t>複製儲存庫時預設名</a:t>
-            </a:r>
-            <a:r>
-              <a:rPr lang="zh-TW" altLang="en-US" dirty="0" smtClean="0"/>
-              <a:t>稱</a:t>
+              <a:t>複製儲存庫時預設名稱</a:t>
             </a:r>
             <a:endParaRPr lang="zh-CN" altLang="en-US" dirty="0"/>
           </a:p>
@@ -11625,7 +11623,7 @@
         <p:spPr>
           <a:xfrm>
             <a:off x="899592" y="548680"/>
-            <a:ext cx="7344816" cy="1754327"/>
+            <a:ext cx="7344816" cy="5909311"/>
           </a:xfrm>
           <a:prstGeom prst="rect">
             <a:avLst/>
@@ -11713,11 +11711,313 @@
             </a:r>
             <a:r>
               <a:rPr lang="en-US" altLang="zh-TW" dirty="0"/>
-              <a:t> push [remote-name] [branch-name]</a:t>
+              <a:t> push [remote-name] [branch-name</a:t>
+            </a:r>
+            <a:r>
+              <a:rPr lang="en-US" altLang="zh-TW" dirty="0" smtClean="0"/>
+              <a:t>]</a:t>
+            </a:r>
+          </a:p>
+          <a:p>
+            <a:endParaRPr lang="en-US" altLang="zh-CN" dirty="0"/>
+          </a:p>
+          <a:p>
+            <a:r>
+              <a:rPr lang="zh-CN" altLang="en-US" dirty="0"/>
+              <a:t>本地協議（</a:t>
+            </a:r>
+            <a:r>
+              <a:rPr lang="en-US" altLang="zh-CN" dirty="0"/>
+              <a:t>Local </a:t>
+            </a:r>
+            <a:r>
+              <a:rPr lang="en-US" altLang="zh-CN" dirty="0" smtClean="0"/>
+              <a:t>protocol</a:t>
+            </a:r>
+            <a:r>
+              <a:rPr lang="zh-TW" altLang="en-US" dirty="0" smtClean="0"/>
+              <a:t>）：</a:t>
+            </a:r>
+            <a:r>
+              <a:rPr lang="en-US" altLang="zh-CN" dirty="0" err="1" smtClean="0"/>
+              <a:t>git</a:t>
+            </a:r>
+            <a:r>
+              <a:rPr lang="en-US" altLang="zh-CN" dirty="0" smtClean="0"/>
+              <a:t> </a:t>
+            </a:r>
+            <a:r>
+              <a:rPr lang="en-US" altLang="zh-CN" dirty="0"/>
+              <a:t>clone /opt/</a:t>
+            </a:r>
+            <a:r>
+              <a:rPr lang="en-US" altLang="zh-CN" dirty="0" err="1"/>
+              <a:t>git</a:t>
+            </a:r>
+            <a:r>
+              <a:rPr lang="en-US" altLang="zh-CN" dirty="0"/>
+              <a:t>/</a:t>
+            </a:r>
+            <a:r>
+              <a:rPr lang="en-US" altLang="zh-CN" dirty="0" err="1" smtClean="0"/>
+              <a:t>project.git</a:t>
             </a:r>
             <a:endParaRPr lang="en-US" altLang="zh-CN" dirty="0" smtClean="0"/>
           </a:p>
           <a:p>
+            <a:endParaRPr lang="en-US" altLang="zh-CN" dirty="0"/>
+          </a:p>
+          <a:p>
+            <a:r>
+              <a:rPr lang="zh-TW" altLang="en-US" dirty="0"/>
+              <a:t>要添加一個本地倉庫作為現有 </a:t>
+            </a:r>
+            <a:r>
+              <a:rPr lang="en-US" altLang="zh-TW" dirty="0" err="1"/>
+              <a:t>Git</a:t>
+            </a:r>
+            <a:r>
+              <a:rPr lang="en-US" altLang="zh-TW" dirty="0"/>
+              <a:t> </a:t>
+            </a:r>
+            <a:r>
+              <a:rPr lang="zh-TW" altLang="en-US" dirty="0"/>
+              <a:t>項目的遠端</a:t>
+            </a:r>
+            <a:r>
+              <a:rPr lang="zh-TW" altLang="en-US" dirty="0" smtClean="0"/>
+              <a:t>倉庫</a:t>
+            </a:r>
+            <a:endParaRPr lang="en-US" altLang="zh-TW" dirty="0" smtClean="0"/>
+          </a:p>
+          <a:p>
+            <a:r>
+              <a:rPr lang="en-US" altLang="zh-CN" dirty="0" err="1"/>
+              <a:t>git</a:t>
+            </a:r>
+            <a:r>
+              <a:rPr lang="en-US" altLang="zh-CN" dirty="0"/>
+              <a:t> remote add </a:t>
+            </a:r>
+            <a:r>
+              <a:rPr lang="en-US" altLang="zh-CN" dirty="0" err="1"/>
+              <a:t>local_proj</a:t>
+            </a:r>
+            <a:r>
+              <a:rPr lang="en-US" altLang="zh-CN" dirty="0"/>
+              <a:t> /opt/</a:t>
+            </a:r>
+            <a:r>
+              <a:rPr lang="en-US" altLang="zh-CN" dirty="0" err="1"/>
+              <a:t>git</a:t>
+            </a:r>
+            <a:r>
+              <a:rPr lang="en-US" altLang="zh-CN" dirty="0"/>
+              <a:t>/</a:t>
+            </a:r>
+            <a:r>
+              <a:rPr lang="en-US" altLang="zh-CN" dirty="0" err="1" smtClean="0"/>
+              <a:t>project.git</a:t>
+            </a:r>
+            <a:endParaRPr lang="en-US" altLang="zh-CN" dirty="0" smtClean="0"/>
+          </a:p>
+          <a:p>
+            <a:endParaRPr lang="en-US" altLang="zh-CN" dirty="0"/>
+          </a:p>
+          <a:p>
+            <a:r>
+              <a:rPr lang="en-US" altLang="zh-CN" dirty="0" smtClean="0"/>
+              <a:t>HTTP</a:t>
+            </a:r>
+            <a:r>
+              <a:rPr lang="zh-TW" altLang="en-US" dirty="0" smtClean="0"/>
+              <a:t>協議</a:t>
+            </a:r>
+            <a:endParaRPr lang="en-US" altLang="zh-TW" dirty="0" smtClean="0"/>
+          </a:p>
+          <a:p>
+            <a:r>
+              <a:rPr lang="zh-TW" altLang="en-US" dirty="0"/>
+              <a:t>只需要把 </a:t>
+            </a:r>
+            <a:r>
+              <a:rPr lang="en-US" altLang="zh-TW" dirty="0" err="1"/>
+              <a:t>Git</a:t>
+            </a:r>
+            <a:r>
+              <a:rPr lang="en-US" altLang="zh-TW" dirty="0"/>
+              <a:t> </a:t>
+            </a:r>
+            <a:r>
+              <a:rPr lang="zh-TW" altLang="en-US" dirty="0"/>
+              <a:t>的裸倉庫檔放在 </a:t>
+            </a:r>
+            <a:r>
+              <a:rPr lang="en-US" altLang="zh-TW" dirty="0"/>
+              <a:t>HTTP </a:t>
+            </a:r>
+            <a:r>
+              <a:rPr lang="zh-TW" altLang="en-US" dirty="0"/>
+              <a:t>的根目錄下，配置一個特定的 </a:t>
+            </a:r>
+            <a:r>
+              <a:rPr lang="en-US" altLang="zh-TW" dirty="0"/>
+              <a:t>post-update </a:t>
+            </a:r>
+            <a:r>
+              <a:rPr lang="zh-TW" altLang="en-US" dirty="0"/>
+              <a:t>掛鉤（</a:t>
+            </a:r>
+            <a:r>
+              <a:rPr lang="en-US" altLang="zh-TW" dirty="0"/>
+              <a:t>hook</a:t>
+            </a:r>
+            <a:r>
+              <a:rPr lang="zh-TW" altLang="en-US" dirty="0" smtClean="0"/>
+              <a:t>）</a:t>
+            </a:r>
+            <a:endParaRPr lang="en-US" altLang="zh-TW" dirty="0" smtClean="0"/>
+          </a:p>
+          <a:p>
+            <a:r>
+              <a:rPr lang="en-US" altLang="zh-CN" dirty="0"/>
+              <a:t>cd /</a:t>
+            </a:r>
+            <a:r>
+              <a:rPr lang="en-US" altLang="zh-CN" dirty="0" err="1"/>
+              <a:t>var</a:t>
+            </a:r>
+            <a:r>
+              <a:rPr lang="en-US" altLang="zh-CN" dirty="0"/>
+              <a:t>/www/</a:t>
+            </a:r>
+            <a:r>
+              <a:rPr lang="en-US" altLang="zh-CN" dirty="0" err="1"/>
+              <a:t>htdocs</a:t>
+            </a:r>
+            <a:r>
+              <a:rPr lang="en-US" altLang="zh-CN" dirty="0"/>
+              <a:t>/</a:t>
+            </a:r>
+          </a:p>
+          <a:p>
+            <a:r>
+              <a:rPr lang="en-US" altLang="zh-CN" dirty="0"/>
+              <a:t>$ </a:t>
+            </a:r>
+            <a:r>
+              <a:rPr lang="en-US" altLang="zh-CN" dirty="0" err="1"/>
+              <a:t>git</a:t>
+            </a:r>
+            <a:r>
+              <a:rPr lang="en-US" altLang="zh-CN" dirty="0"/>
+              <a:t> clone --bare </a:t>
+            </a:r>
+            <a:r>
+              <a:rPr lang="en-US" altLang="zh-CN" dirty="0" smtClean="0"/>
+              <a:t>/User/rai1872/</a:t>
+            </a:r>
+            <a:r>
+              <a:rPr lang="en-US" altLang="zh-CN" dirty="0" err="1" smtClean="0"/>
+              <a:t>xsync</a:t>
+            </a:r>
+            <a:r>
+              <a:rPr lang="en-US" altLang="zh-CN" dirty="0" smtClean="0"/>
+              <a:t> </a:t>
+            </a:r>
+            <a:r>
+              <a:rPr lang="en-US" altLang="zh-CN" dirty="0" err="1" smtClean="0"/>
+              <a:t>xsync.git</a:t>
+            </a:r>
+            <a:endParaRPr lang="en-US" altLang="zh-CN" dirty="0"/>
+          </a:p>
+          <a:p>
+            <a:r>
+              <a:rPr lang="en-US" altLang="zh-CN" dirty="0"/>
+              <a:t>$ cd </a:t>
+            </a:r>
+            <a:r>
+              <a:rPr lang="en-US" altLang="zh-CN" dirty="0" err="1" smtClean="0"/>
+              <a:t>xsync.git</a:t>
+            </a:r>
+            <a:endParaRPr lang="en-US" altLang="zh-CN" dirty="0"/>
+          </a:p>
+          <a:p>
+            <a:r>
+              <a:rPr lang="en-US" altLang="zh-CN" dirty="0"/>
+              <a:t>$ mv hooks/post-</a:t>
+            </a:r>
+            <a:r>
+              <a:rPr lang="en-US" altLang="zh-CN" dirty="0" err="1"/>
+              <a:t>update.sample</a:t>
+            </a:r>
+            <a:r>
+              <a:rPr lang="en-US" altLang="zh-CN" dirty="0"/>
+              <a:t> hooks/post-update</a:t>
+            </a:r>
+          </a:p>
+          <a:p>
+            <a:r>
+              <a:rPr lang="en-US" altLang="zh-CN" dirty="0"/>
+              <a:t>$ </a:t>
+            </a:r>
+            <a:r>
+              <a:rPr lang="en-US" altLang="zh-CN" dirty="0" err="1"/>
+              <a:t>chmod</a:t>
+            </a:r>
+            <a:r>
+              <a:rPr lang="en-US" altLang="zh-CN" dirty="0"/>
+              <a:t> </a:t>
+            </a:r>
+            <a:r>
+              <a:rPr lang="en-US" altLang="zh-CN" dirty="0" err="1"/>
+              <a:t>a+x</a:t>
+            </a:r>
+            <a:r>
+              <a:rPr lang="en-US" altLang="zh-CN" dirty="0"/>
+              <a:t> hooks/post-</a:t>
+            </a:r>
+            <a:r>
+              <a:rPr lang="en-US" altLang="zh-CN" dirty="0" smtClean="0"/>
+              <a:t>update</a:t>
+            </a:r>
+          </a:p>
+          <a:p>
+            <a:endParaRPr lang="en-US" altLang="zh-CN" dirty="0"/>
+          </a:p>
+          <a:p>
+            <a:r>
+              <a:rPr lang="zh-TW" altLang="en-US" dirty="0" smtClean="0"/>
+              <a:t>別人就可</a:t>
+            </a:r>
+            <a:r>
+              <a:rPr lang="en-US" altLang="zh-TW" dirty="0" err="1" smtClean="0"/>
+              <a:t>clon</a:t>
+            </a:r>
+            <a:r>
+              <a:rPr lang="en-US" altLang="zh-TW" dirty="0"/>
+              <a:t>  </a:t>
+            </a:r>
+            <a:r>
+              <a:rPr lang="en-US" altLang="zh-TW" dirty="0" err="1"/>
+              <a:t>git</a:t>
+            </a:r>
+            <a:r>
+              <a:rPr lang="en-US" altLang="zh-TW" dirty="0"/>
+              <a:t> clone http://</a:t>
+            </a:r>
+            <a:r>
+              <a:rPr lang="en-US" altLang="zh-TW" dirty="0" err="1"/>
+              <a:t>example.com</a:t>
+            </a:r>
+            <a:r>
+              <a:rPr lang="en-US" altLang="zh-TW" dirty="0" smtClean="0"/>
+              <a:t>/</a:t>
+            </a:r>
+            <a:r>
+              <a:rPr lang="en-US" altLang="zh-TW" dirty="0" err="1" smtClean="0"/>
+              <a:t>xsync.git</a:t>
+            </a:r>
             <a:endParaRPr lang="zh-CN" altLang="en-US" dirty="0"/>
           </a:p>
         </p:txBody>
@@ -11726,6 +12026,281 @@
     <p:extLst>
       <p:ext uri="{BB962C8B-B14F-4D97-AF65-F5344CB8AC3E}">
         <p14:creationId xmlns:p14="http://schemas.microsoft.com/office/powerpoint/2010/main" val="2822327253"/>
+      </p:ext>
+    </p:extLst>
+  </p:cSld>
+  <p:clrMapOvr>
+    <a:masterClrMapping/>
+  </p:clrMapOvr>
+</p:sld>
+</file>
+
+<file path=ppt/slides/slide16.xml><?xml version="1.0" encoding="utf-8"?>
+<p:sld xmlns:a="http://schemas.openxmlformats.org/drawingml/2006/main" xmlns:r="http://schemas.openxmlformats.org/officeDocument/2006/relationships" xmlns:p="http://schemas.openxmlformats.org/presentationml/2006/main">
+  <p:cSld>
+    <p:spTree>
+      <p:nvGrpSpPr>
+        <p:cNvPr id="1" name=""/>
+        <p:cNvGrpSpPr/>
+        <p:nvPr/>
+      </p:nvGrpSpPr>
+      <p:grpSpPr>
+        <a:xfrm>
+          <a:off x="0" y="0"/>
+          <a:ext cx="0" cy="0"/>
+          <a:chOff x="0" y="0"/>
+          <a:chExt cx="0" cy="0"/>
+        </a:xfrm>
+      </p:grpSpPr>
+      <p:sp>
+        <p:nvSpPr>
+          <p:cNvPr id="2" name="矩形 1"/>
+          <p:cNvSpPr/>
+          <p:nvPr/>
+        </p:nvSpPr>
+        <p:spPr>
+          <a:xfrm>
+            <a:off x="404821" y="1375676"/>
+            <a:ext cx="8280920" cy="1754327"/>
+          </a:xfrm>
+          <a:prstGeom prst="rect">
+            <a:avLst/>
+          </a:prstGeom>
+        </p:spPr>
+        <p:txBody>
+          <a:bodyPr wrap="square">
+            <a:spAutoFit/>
+          </a:bodyPr>
+          <a:lstStyle/>
+          <a:p>
+            <a:r>
+              <a:rPr lang="zh-CN" altLang="en-US" dirty="0"/>
+              <a:t>在伺服器上部署 </a:t>
+            </a:r>
+            <a:r>
+              <a:rPr lang="en-US" altLang="zh-CN" dirty="0" err="1"/>
+              <a:t>Git</a:t>
+            </a:r>
+            <a:endParaRPr lang="en-US" altLang="zh-CN" dirty="0"/>
+          </a:p>
+          <a:p>
+            <a:r>
+              <a:rPr lang="zh-CN" altLang="en-US" dirty="0"/>
+              <a:t>開始架設 </a:t>
+            </a:r>
+            <a:r>
+              <a:rPr lang="en-US" altLang="zh-CN" dirty="0" err="1"/>
+              <a:t>Git</a:t>
+            </a:r>
+            <a:r>
+              <a:rPr lang="en-US" altLang="zh-CN" dirty="0"/>
+              <a:t> </a:t>
+            </a:r>
+            <a:r>
+              <a:rPr lang="zh-CN" altLang="en-US" dirty="0"/>
+              <a:t>伺服器前，需要先把現有倉庫匯出為裸倉庫 </a:t>
+            </a:r>
+            <a:r>
+              <a:rPr lang="en-US" altLang="zh-CN" dirty="0"/>
+              <a:t>— </a:t>
+            </a:r>
+            <a:r>
+              <a:rPr lang="zh-CN" altLang="en-US" dirty="0"/>
+              <a:t>即一個不包含當前工作目錄的倉庫。做法直截了當，克隆時用 </a:t>
+            </a:r>
+            <a:r>
+              <a:rPr lang="en-US" altLang="zh-CN" dirty="0"/>
+              <a:t>--bare </a:t>
+            </a:r>
+            <a:r>
+              <a:rPr lang="zh-CN" altLang="en-US" dirty="0"/>
+              <a:t>選項即可。裸倉庫的目錄名一般以 </a:t>
+            </a:r>
+            <a:r>
+              <a:rPr lang="en-US" altLang="zh-CN" dirty="0"/>
+              <a:t>.</a:t>
+            </a:r>
+            <a:r>
+              <a:rPr lang="en-US" altLang="zh-CN" dirty="0" err="1"/>
+              <a:t>git</a:t>
+            </a:r>
+            <a:r>
+              <a:rPr lang="en-US" altLang="zh-CN" dirty="0"/>
+              <a:t> </a:t>
+            </a:r>
+            <a:r>
+              <a:rPr lang="zh-CN" altLang="en-US" dirty="0" smtClean="0"/>
+              <a:t>結尾</a:t>
+            </a:r>
+            <a:endParaRPr lang="en-US" altLang="zh-CN" dirty="0" smtClean="0"/>
+          </a:p>
+          <a:p>
+            <a:endParaRPr lang="en-US" altLang="zh-CN" dirty="0"/>
+          </a:p>
+          <a:p>
+            <a:r>
+              <a:rPr lang="en-US" altLang="zh-CN" dirty="0" err="1"/>
+              <a:t>git</a:t>
+            </a:r>
+            <a:r>
+              <a:rPr lang="en-US" altLang="zh-CN" dirty="0"/>
+              <a:t> clone --bare </a:t>
+            </a:r>
+            <a:r>
+              <a:rPr lang="en-US" altLang="zh-CN" dirty="0" err="1" smtClean="0"/>
+              <a:t>xsync</a:t>
+            </a:r>
+            <a:r>
+              <a:rPr lang="en-US" altLang="zh-CN" dirty="0" smtClean="0"/>
+              <a:t> </a:t>
+            </a:r>
+            <a:r>
+              <a:rPr lang="en-US" altLang="zh-CN" dirty="0" err="1" smtClean="0"/>
+              <a:t>xsync.git</a:t>
+            </a:r>
+            <a:endParaRPr lang="zh-CN" altLang="en-US" dirty="0"/>
+          </a:p>
+        </p:txBody>
+      </p:sp>
+    </p:spTree>
+    <p:extLst>
+      <p:ext uri="{BB962C8B-B14F-4D97-AF65-F5344CB8AC3E}">
+        <p14:creationId xmlns:p14="http://schemas.microsoft.com/office/powerpoint/2010/main" val="2249623709"/>
+      </p:ext>
+    </p:extLst>
+  </p:cSld>
+  <p:clrMapOvr>
+    <a:masterClrMapping/>
+  </p:clrMapOvr>
+</p:sld>
+</file>
+
+<file path=ppt/slides/slide17.xml><?xml version="1.0" encoding="utf-8"?>
+<p:sld xmlns:a="http://schemas.openxmlformats.org/drawingml/2006/main" xmlns:r="http://schemas.openxmlformats.org/officeDocument/2006/relationships" xmlns:p="http://schemas.openxmlformats.org/presentationml/2006/main">
+  <p:cSld>
+    <p:spTree>
+      <p:nvGrpSpPr>
+        <p:cNvPr id="1" name=""/>
+        <p:cNvGrpSpPr/>
+        <p:nvPr/>
+      </p:nvGrpSpPr>
+      <p:grpSpPr>
+        <a:xfrm>
+          <a:off x="0" y="0"/>
+          <a:ext cx="0" cy="0"/>
+          <a:chOff x="0" y="0"/>
+          <a:chExt cx="0" cy="0"/>
+        </a:xfrm>
+      </p:grpSpPr>
+      <p:sp>
+        <p:nvSpPr>
+          <p:cNvPr id="2" name="矩形 1"/>
+          <p:cNvSpPr/>
+          <p:nvPr/>
+        </p:nvSpPr>
+        <p:spPr>
+          <a:xfrm>
+            <a:off x="683568" y="1412776"/>
+            <a:ext cx="7056784" cy="1754327"/>
+          </a:xfrm>
+          <a:prstGeom prst="rect">
+            <a:avLst/>
+          </a:prstGeom>
+        </p:spPr>
+        <p:txBody>
+          <a:bodyPr wrap="square">
+            <a:spAutoFit/>
+          </a:bodyPr>
+          <a:lstStyle/>
+          <a:p>
+            <a:r>
+              <a:rPr lang="en-US" altLang="zh-CN" dirty="0" err="1"/>
+              <a:t>Demo.esappdiy.com</a:t>
+            </a:r>
+            <a:r>
+              <a:rPr lang="en-US" altLang="zh-CN" dirty="0"/>
+              <a:t> </a:t>
+            </a:r>
+            <a:r>
+              <a:rPr lang="zh-CN" altLang="en-US" dirty="0"/>
+              <a:t>的</a:t>
+            </a:r>
+            <a:r>
+              <a:rPr lang="en-US" altLang="zh-CN" dirty="0"/>
+              <a:t>Download </a:t>
+            </a:r>
+            <a:r>
+              <a:rPr lang="zh-CN" altLang="en-US" dirty="0"/>
+              <a:t>路徑</a:t>
+            </a:r>
+            <a:endParaRPr lang="en-US" altLang="zh-CN" dirty="0"/>
+          </a:p>
+          <a:p>
+            <a:r>
+              <a:rPr lang="en-US" altLang="zh-CN" dirty="0"/>
+              <a:t>/</a:t>
+            </a:r>
+            <a:r>
+              <a:rPr lang="en-US" altLang="zh-CN" dirty="0" err="1"/>
+              <a:t>var</a:t>
+            </a:r>
+            <a:r>
+              <a:rPr lang="en-US" altLang="zh-CN" dirty="0"/>
+              <a:t>/www/</a:t>
+            </a:r>
+            <a:r>
+              <a:rPr lang="en-US" altLang="zh-CN" dirty="0" err="1"/>
+              <a:t>sta</a:t>
+            </a:r>
+            <a:r>
+              <a:rPr lang="en-US" altLang="zh-CN" dirty="0"/>
+              <a:t>/sta000html/download/</a:t>
+            </a:r>
+          </a:p>
+          <a:p>
+            <a:r>
+              <a:rPr lang="sk-SK" altLang="zh-CN" dirty="0"/>
+              <a:t> </a:t>
+            </a:r>
+          </a:p>
+          <a:p>
+            <a:r>
+              <a:rPr lang="sk-SK" altLang="zh-CN" dirty="0"/>
+              <a:t> </a:t>
+            </a:r>
+          </a:p>
+          <a:p>
+            <a:r>
+              <a:rPr lang="sk-SK" altLang="zh-CN" dirty="0"/>
+              <a:t>Demo.esappdiy.com </a:t>
+            </a:r>
+            <a:r>
+              <a:rPr lang="zh-CN" altLang="sk-SK" dirty="0"/>
+              <a:t>的</a:t>
+            </a:r>
+            <a:r>
+              <a:rPr lang="sk-SK" altLang="zh-CN" dirty="0"/>
+              <a:t>Apache conf </a:t>
+            </a:r>
+            <a:r>
+              <a:rPr lang="zh-CN" altLang="sk-SK" dirty="0"/>
+              <a:t>路徑</a:t>
+            </a:r>
+            <a:endParaRPr lang="sk-SK" altLang="zh-CN" dirty="0"/>
+          </a:p>
+          <a:p>
+            <a:r>
+              <a:rPr lang="sk-SK" altLang="zh-CN" dirty="0"/>
+              <a:t>/opt/u-sync/conf/apache/sta000.conf</a:t>
+            </a:r>
+            <a:endParaRPr lang="zh-CN" altLang="en-US" dirty="0"/>
+          </a:p>
+        </p:txBody>
+      </p:sp>
+    </p:spTree>
+    <p:extLst>
+      <p:ext uri="{BB962C8B-B14F-4D97-AF65-F5344CB8AC3E}">
+        <p14:creationId xmlns:p14="http://schemas.microsoft.com/office/powerpoint/2010/main" val="3816082333"/>
       </p:ext>
     </p:extLst>
   </p:cSld>
@@ -15948,7 +16523,7 @@
   </a:extraClrSchemeLst>
   <a:extLst>
     <a:ext uri="{05A4C25C-085E-4340-85A3-A5531E510DB2}">
-      <thm15:themeFamily xmlns:thm15="http://schemas.microsoft.com/office/thememl/2012/main" xmlns="" name="Office Theme" id="{62F939B6-93AF-4DB8-9C6B-D6C7DFDC589F}" vid="{4A3C46E8-61CC-4603-A589-7422A47A8E4A}"/>
+      <thm15:themeFamily xmlns="" xmlns:thm15="http://schemas.microsoft.com/office/thememl/2012/main" name="Office Theme" id="{62F939B6-93AF-4DB8-9C6B-D6C7DFDC589F}" vid="{4A3C46E8-61CC-4603-A589-7422A47A8E4A}"/>
     </a:ext>
   </a:extLst>
 </a:theme>
